--- a/Real Estate Background Layouts.pptx
+++ b/Real Estate Background Layouts.pptx
@@ -6,7 +6,7 @@
   </p:sldMasterIdLst>
   <p:sldIdLst>
     <p:sldId id="256" r:id="rId2"/>
-    <p:sldId id="257" r:id="rId3"/>
+    <p:sldId id="258" r:id="rId3"/>
   </p:sldIdLst>
   <p:sldSz cx="10998200" cy="7199313"/>
   <p:notesSz cx="6858000" cy="9144000"/>
@@ -2976,10 +2976,10 @@
       </p:grpSpPr>
       <p:sp>
         <p:nvSpPr>
-          <p:cNvPr id="51" name="Rectangle 50">
-            <a:extLst>
-              <a:ext uri="{FF2B5EF4-FFF2-40B4-BE49-F238E27FC236}">
-                <a16:creationId xmlns:a16="http://schemas.microsoft.com/office/drawing/2014/main" id="{F98F07FC-2522-8FB4-8F04-921B07E8076C}"/>
+          <p:cNvPr id="4" name="Rectangle 3">
+            <a:extLst>
+              <a:ext uri="{FF2B5EF4-FFF2-40B4-BE49-F238E27FC236}">
+                <a16:creationId xmlns:a16="http://schemas.microsoft.com/office/drawing/2014/main" id="{59A40E23-5AA5-B485-91B0-D9D11051CBCC}"/>
               </a:ext>
             </a:extLst>
           </p:cNvPr>
@@ -2988,20 +2988,18 @@
         </p:nvSpPr>
         <p:spPr>
           <a:xfrm>
-            <a:off x="9578166" y="1543636"/>
-            <a:ext cx="1345748" cy="2513749"/>
+            <a:off x="0" y="0"/>
+            <a:ext cx="10998191" cy="967984"/>
           </a:xfrm>
           <a:prstGeom prst="rect">
             <a:avLst/>
           </a:prstGeom>
           <a:solidFill>
-            <a:schemeClr val="bg1">
-              <a:lumMod val="95000"/>
+            <a:schemeClr val="accent1">
+              <a:lumMod val="50000"/>
             </a:schemeClr>
           </a:solidFill>
-          <a:ln>
-            <a:noFill/>
-          </a:ln>
+          <a:ln/>
         </p:spPr>
         <p:style>
           <a:lnRef idx="2">
@@ -3030,10 +3028,10 @@
       </p:sp>
       <p:sp>
         <p:nvSpPr>
-          <p:cNvPr id="4" name="Rectangle 3">
-            <a:extLst>
-              <a:ext uri="{FF2B5EF4-FFF2-40B4-BE49-F238E27FC236}">
-                <a16:creationId xmlns:a16="http://schemas.microsoft.com/office/drawing/2014/main" id="{59A40E23-5AA5-B485-91B0-D9D11051CBCC}"/>
+          <p:cNvPr id="5" name="Flowchart: Manual Operation 4">
+            <a:extLst>
+              <a:ext uri="{FF2B5EF4-FFF2-40B4-BE49-F238E27FC236}">
+                <a16:creationId xmlns:a16="http://schemas.microsoft.com/office/drawing/2014/main" id="{DAA76E59-7AC2-B2B2-68DE-B43F760910C8}"/>
               </a:ext>
             </a:extLst>
           </p:cNvPr>
@@ -3042,26 +3040,25 @@
         </p:nvSpPr>
         <p:spPr>
           <a:xfrm>
-            <a:off x="0" y="0"/>
-            <a:ext cx="10998191" cy="967984"/>
-          </a:xfrm>
-          <a:prstGeom prst="rect">
-            <a:avLst/>
-          </a:prstGeom>
-          <a:solidFill>
-            <a:srgbClr val="585858"/>
-          </a:solidFill>
+            <a:off x="1809444" y="0"/>
+            <a:ext cx="7064391" cy="957421"/>
+          </a:xfrm>
+          <a:prstGeom prst="flowChartManualOperation">
+            <a:avLst/>
+          </a:prstGeom>
           <a:ln/>
         </p:spPr>
         <p:style>
-          <a:lnRef idx="3">
-            <a:schemeClr val="lt1"/>
+          <a:lnRef idx="2">
+            <a:schemeClr val="dk1">
+              <a:shade val="15000"/>
+            </a:schemeClr>
           </a:lnRef>
           <a:fillRef idx="1">
-            <a:schemeClr val="accent4"/>
+            <a:schemeClr val="dk1"/>
           </a:fillRef>
-          <a:effectRef idx="1">
-            <a:schemeClr val="accent4"/>
+          <a:effectRef idx="0">
+            <a:schemeClr val="dk1"/>
           </a:effectRef>
           <a:fontRef idx="minor">
             <a:schemeClr val="lt1"/>
@@ -3078,10 +3075,218 @@
       </p:sp>
       <p:sp>
         <p:nvSpPr>
-          <p:cNvPr id="5" name="Flowchart: Manual Operation 4">
-            <a:extLst>
-              <a:ext uri="{FF2B5EF4-FFF2-40B4-BE49-F238E27FC236}">
-                <a16:creationId xmlns:a16="http://schemas.microsoft.com/office/drawing/2014/main" id="{DAA76E59-7AC2-B2B2-68DE-B43F760910C8}"/>
+          <p:cNvPr id="6" name="TextBox 5">
+            <a:extLst>
+              <a:ext uri="{FF2B5EF4-FFF2-40B4-BE49-F238E27FC236}">
+                <a16:creationId xmlns:a16="http://schemas.microsoft.com/office/drawing/2014/main" id="{3CDBC372-F6B4-EEA5-937C-62E63E2E158E}"/>
+              </a:ext>
+            </a:extLst>
+          </p:cNvPr>
+          <p:cNvSpPr txBox="1"/>
+          <p:nvPr/>
+        </p:nvSpPr>
+        <p:spPr>
+          <a:xfrm>
+            <a:off x="2661001" y="2745"/>
+            <a:ext cx="5492015" cy="523220"/>
+          </a:xfrm>
+          <a:prstGeom prst="rect">
+            <a:avLst/>
+          </a:prstGeom>
+          <a:noFill/>
+        </p:spPr>
+        <p:txBody>
+          <a:bodyPr wrap="square" rtlCol="0">
+            <a:spAutoFit/>
+          </a:bodyPr>
+          <a:lstStyle/>
+          <a:p>
+            <a:pPr algn="ctr"/>
+            <a:r>
+              <a:rPr lang="en-US" sz="2400" b="1" dirty="0">
+                <a:solidFill>
+                  <a:schemeClr val="bg1"/>
+                </a:solidFill>
+                <a:latin typeface="Segoe UI" panose="020B0502040204020203" pitchFamily="34" charset="0"/>
+                <a:cs typeface="Segoe UI" panose="020B0502040204020203" pitchFamily="34" charset="0"/>
+              </a:rPr>
+              <a:t>Property  </a:t>
+            </a:r>
+            <a:r>
+              <a:rPr lang="en-US" sz="2800" b="1" dirty="0">
+                <a:solidFill>
+                  <a:schemeClr val="tx2">
+                    <a:lumMod val="75000"/>
+                    <a:lumOff val="25000"/>
+                  </a:schemeClr>
+                </a:solidFill>
+                <a:latin typeface="Segoe UI" panose="020B0502040204020203" pitchFamily="34" charset="0"/>
+                <a:cs typeface="Segoe UI" panose="020B0502040204020203" pitchFamily="34" charset="0"/>
+              </a:rPr>
+              <a:t>Management</a:t>
+            </a:r>
+            <a:r>
+              <a:rPr lang="en-US" sz="2400" b="1" dirty="0">
+                <a:solidFill>
+                  <a:schemeClr val="bg1"/>
+                </a:solidFill>
+                <a:latin typeface="Segoe UI" panose="020B0502040204020203" pitchFamily="34" charset="0"/>
+                <a:cs typeface="Segoe UI" panose="020B0502040204020203" pitchFamily="34" charset="0"/>
+              </a:rPr>
+              <a:t> Dashboard</a:t>
+            </a:r>
+            <a:endParaRPr lang="en-IN" sz="2400" b="1" dirty="0">
+              <a:solidFill>
+                <a:schemeClr val="bg1"/>
+              </a:solidFill>
+              <a:latin typeface="Segoe UI" panose="020B0502040204020203" pitchFamily="34" charset="0"/>
+              <a:cs typeface="Segoe UI" panose="020B0502040204020203" pitchFamily="34" charset="0"/>
+            </a:endParaRPr>
+          </a:p>
+        </p:txBody>
+      </p:sp>
+      <p:sp>
+        <p:nvSpPr>
+          <p:cNvPr id="7" name="TextBox 6">
+            <a:extLst>
+              <a:ext uri="{FF2B5EF4-FFF2-40B4-BE49-F238E27FC236}">
+                <a16:creationId xmlns:a16="http://schemas.microsoft.com/office/drawing/2014/main" id="{4679A94C-0523-FB1D-46DC-6422E02710E5}"/>
+              </a:ext>
+            </a:extLst>
+          </p:cNvPr>
+          <p:cNvSpPr txBox="1"/>
+          <p:nvPr/>
+        </p:nvSpPr>
+        <p:spPr>
+          <a:xfrm>
+            <a:off x="3238228" y="527151"/>
+            <a:ext cx="3717672" cy="356701"/>
+          </a:xfrm>
+          <a:prstGeom prst="rect">
+            <a:avLst/>
+          </a:prstGeom>
+          <a:noFill/>
+        </p:spPr>
+        <p:txBody>
+          <a:bodyPr wrap="square" rtlCol="0">
+            <a:spAutoFit/>
+          </a:bodyPr>
+          <a:lstStyle/>
+          <a:p>
+            <a:r>
+              <a:rPr lang="en-US" sz="1718" dirty="0">
+                <a:solidFill>
+                  <a:schemeClr val="bg1"/>
+                </a:solidFill>
+                <a:latin typeface="Segoe UI Semibold" panose="020B0702040204020203" pitchFamily="34" charset="0"/>
+                <a:cs typeface="Segoe UI Semibold" panose="020B0702040204020203" pitchFamily="34" charset="0"/>
+              </a:rPr>
+              <a:t>Property Analysis Report</a:t>
+            </a:r>
+            <a:endParaRPr lang="en-IN" sz="1718" dirty="0">
+              <a:solidFill>
+                <a:schemeClr val="bg1"/>
+              </a:solidFill>
+              <a:latin typeface="Segoe UI Semibold" panose="020B0702040204020203" pitchFamily="34" charset="0"/>
+              <a:cs typeface="Segoe UI Semibold" panose="020B0702040204020203" pitchFamily="34" charset="0"/>
+            </a:endParaRPr>
+          </a:p>
+        </p:txBody>
+      </p:sp>
+      <p:sp>
+        <p:nvSpPr>
+          <p:cNvPr id="8" name="TextBox 7">
+            <a:extLst>
+              <a:ext uri="{FF2B5EF4-FFF2-40B4-BE49-F238E27FC236}">
+                <a16:creationId xmlns:a16="http://schemas.microsoft.com/office/drawing/2014/main" id="{233DDF6B-4B1E-D5DF-B887-7C967C97DB87}"/>
+              </a:ext>
+            </a:extLst>
+          </p:cNvPr>
+          <p:cNvSpPr txBox="1"/>
+          <p:nvPr/>
+        </p:nvSpPr>
+        <p:spPr>
+          <a:xfrm>
+            <a:off x="9" y="578948"/>
+            <a:ext cx="1960228" cy="356701"/>
+          </a:xfrm>
+          <a:prstGeom prst="rect">
+            <a:avLst/>
+          </a:prstGeom>
+          <a:noFill/>
+        </p:spPr>
+        <p:txBody>
+          <a:bodyPr wrap="square" rtlCol="0">
+            <a:spAutoFit/>
+          </a:bodyPr>
+          <a:lstStyle/>
+          <a:p>
+            <a:r>
+              <a:rPr lang="en-US" sz="1718" b="1" dirty="0">
+                <a:solidFill>
+                  <a:schemeClr val="bg2">
+                    <a:lumMod val="50000"/>
+                  </a:schemeClr>
+                </a:solidFill>
+                <a:latin typeface="Segoe UI Semibold" panose="020B0702040204020203" pitchFamily="34" charset="0"/>
+                <a:cs typeface="Segoe UI Semibold" panose="020B0702040204020203" pitchFamily="34" charset="0"/>
+              </a:rPr>
+              <a:t>Real Estate</a:t>
+            </a:r>
+            <a:endParaRPr lang="en-IN" sz="1718" b="1" dirty="0">
+              <a:solidFill>
+                <a:schemeClr val="bg2">
+                  <a:lumMod val="50000"/>
+                </a:schemeClr>
+              </a:solidFill>
+              <a:latin typeface="Segoe UI Semibold" panose="020B0702040204020203" pitchFamily="34" charset="0"/>
+              <a:cs typeface="Segoe UI Semibold" panose="020B0702040204020203" pitchFamily="34" charset="0"/>
+            </a:endParaRPr>
+          </a:p>
+        </p:txBody>
+      </p:sp>
+      <p:pic>
+        <p:nvPicPr>
+          <p:cNvPr id="14" name="Picture 13" descr="A hand holding a house&#10;&#10;Description automatically generated">
+            <a:extLst>
+              <a:ext uri="{FF2B5EF4-FFF2-40B4-BE49-F238E27FC236}">
+                <a16:creationId xmlns:a16="http://schemas.microsoft.com/office/drawing/2014/main" id="{A6D58F8C-7BEE-65BB-803E-116F7668DF42}"/>
+              </a:ext>
+            </a:extLst>
+          </p:cNvPr>
+          <p:cNvPicPr>
+            <a:picLocks noChangeAspect="1"/>
+          </p:cNvPicPr>
+          <p:nvPr/>
+        </p:nvPicPr>
+        <p:blipFill>
+          <a:blip r:embed="rId2">
+            <a:extLst>
+              <a:ext uri="{28A0092B-C50C-407E-A947-70E740481C1C}">
+                <a14:useLocalDpi xmlns:a14="http://schemas.microsoft.com/office/drawing/2010/main" val="0"/>
+              </a:ext>
+            </a:extLst>
+          </a:blip>
+          <a:stretch>
+            <a:fillRect/>
+          </a:stretch>
+        </p:blipFill>
+        <p:spPr>
+          <a:xfrm>
+            <a:off x="232026" y="73120"/>
+            <a:ext cx="747447" cy="535530"/>
+          </a:xfrm>
+          <a:prstGeom prst="rect">
+            <a:avLst/>
+          </a:prstGeom>
+        </p:spPr>
+      </p:pic>
+      <p:sp>
+        <p:nvSpPr>
+          <p:cNvPr id="15" name="Rectangle: Rounded Corners 14">
+            <a:extLst>
+              <a:ext uri="{FF2B5EF4-FFF2-40B4-BE49-F238E27FC236}">
+                <a16:creationId xmlns:a16="http://schemas.microsoft.com/office/drawing/2014/main" id="{26A56DC3-C43B-61F3-A302-98CD35125A14}"/>
               </a:ext>
             </a:extLst>
           </p:cNvPr>
@@ -3090,15 +3295,214 @@
         </p:nvSpPr>
         <p:spPr>
           <a:xfrm>
-            <a:off x="1809445" y="21772"/>
-            <a:ext cx="6928388" cy="935649"/>
-          </a:xfrm>
-          <a:prstGeom prst="flowChartManualOperation">
+            <a:off x="48167" y="1021986"/>
+            <a:ext cx="1168924" cy="1658349"/>
+          </a:xfrm>
+          <a:prstGeom prst="roundRect">
+            <a:avLst/>
+          </a:prstGeom>
+        </p:spPr>
+        <p:style>
+          <a:lnRef idx="2">
+            <a:schemeClr val="dk1">
+              <a:shade val="15000"/>
+            </a:schemeClr>
+          </a:lnRef>
+          <a:fillRef idx="1">
+            <a:schemeClr val="dk1"/>
+          </a:fillRef>
+          <a:effectRef idx="0">
+            <a:schemeClr val="dk1"/>
+          </a:effectRef>
+          <a:fontRef idx="minor">
+            <a:schemeClr val="lt1"/>
+          </a:fontRef>
+        </p:style>
+        <p:txBody>
+          <a:bodyPr rtlCol="0" anchor="ctr"/>
+          <a:lstStyle/>
+          <a:p>
+            <a:pPr algn="ctr"/>
+            <a:endParaRPr lang="en-IN" sz="1547" dirty="0"/>
+          </a:p>
+        </p:txBody>
+      </p:sp>
+      <p:pic>
+        <p:nvPicPr>
+          <p:cNvPr id="27" name="Picture 26" descr="A black background with a black square&#10;&#10;Description automatically generated with medium confidence">
+            <a:extLst>
+              <a:ext uri="{FF2B5EF4-FFF2-40B4-BE49-F238E27FC236}">
+                <a16:creationId xmlns:a16="http://schemas.microsoft.com/office/drawing/2014/main" id="{E1A027C9-A19B-A5CA-F023-F49EE62C9119}"/>
+              </a:ext>
+            </a:extLst>
+          </p:cNvPr>
+          <p:cNvPicPr>
+            <a:picLocks noChangeAspect="1"/>
+          </p:cNvPicPr>
+          <p:nvPr/>
+        </p:nvPicPr>
+        <p:blipFill>
+          <a:blip r:embed="rId3">
+            <a:lum bright="70000" contrast="-70000"/>
+            <a:extLst>
+              <a:ext uri="{28A0092B-C50C-407E-A947-70E740481C1C}">
+                <a14:useLocalDpi xmlns:a14="http://schemas.microsoft.com/office/drawing/2010/main" val="0"/>
+              </a:ext>
+            </a:extLst>
+          </a:blip>
+          <a:stretch>
+            <a:fillRect/>
+          </a:stretch>
+        </p:blipFill>
+        <p:spPr>
+          <a:xfrm>
+            <a:off x="119100" y="1275001"/>
+            <a:ext cx="973298" cy="1072768"/>
+          </a:xfrm>
+          <a:prstGeom prst="rect">
+            <a:avLst/>
+          </a:prstGeom>
+        </p:spPr>
+      </p:pic>
+      <p:sp>
+        <p:nvSpPr>
+          <p:cNvPr id="31" name="Rectangle: Rounded Corners 30">
+            <a:extLst>
+              <a:ext uri="{FF2B5EF4-FFF2-40B4-BE49-F238E27FC236}">
+                <a16:creationId xmlns:a16="http://schemas.microsoft.com/office/drawing/2014/main" id="{432A1638-CDC5-5D56-FF65-38950DD6DC42}"/>
+              </a:ext>
+            </a:extLst>
+          </p:cNvPr>
+          <p:cNvSpPr/>
+          <p:nvPr/>
+        </p:nvSpPr>
+        <p:spPr>
+          <a:xfrm>
+            <a:off x="36321" y="4830101"/>
+            <a:ext cx="1178692" cy="2162981"/>
+          </a:xfrm>
+          <a:prstGeom prst="roundRect">
+            <a:avLst/>
+          </a:prstGeom>
+        </p:spPr>
+        <p:style>
+          <a:lnRef idx="1">
+            <a:schemeClr val="accent1"/>
+          </a:lnRef>
+          <a:fillRef idx="2">
+            <a:schemeClr val="accent1"/>
+          </a:fillRef>
+          <a:effectRef idx="1">
+            <a:schemeClr val="accent1"/>
+          </a:effectRef>
+          <a:fontRef idx="minor">
+            <a:schemeClr val="dk1"/>
+          </a:fontRef>
+        </p:style>
+        <p:txBody>
+          <a:bodyPr rtlCol="0" anchor="ctr"/>
+          <a:lstStyle/>
+          <a:p>
+            <a:pPr algn="ctr"/>
+            <a:endParaRPr lang="en-IN" sz="1547" dirty="0"/>
+          </a:p>
+        </p:txBody>
+      </p:sp>
+      <p:pic>
+        <p:nvPicPr>
+          <p:cNvPr id="36" name="Graphic 35" descr="Earth Globe - Asia with solid fill">
+            <a:extLst>
+              <a:ext uri="{FF2B5EF4-FFF2-40B4-BE49-F238E27FC236}">
+                <a16:creationId xmlns:a16="http://schemas.microsoft.com/office/drawing/2014/main" id="{515FB6B2-9343-BCD8-5849-63ED77BE34C2}"/>
+              </a:ext>
+            </a:extLst>
+          </p:cNvPr>
+          <p:cNvPicPr>
+            <a:picLocks noChangeAspect="1"/>
+          </p:cNvPicPr>
+          <p:nvPr/>
+        </p:nvPicPr>
+        <p:blipFill>
+          <a:blip r:embed="rId4">
+            <a:extLst>
+              <a:ext uri="{96DAC541-7B7A-43D3-8B79-37D633B846F1}">
+                <asvg:svgBlip xmlns:asvg="http://schemas.microsoft.com/office/drawing/2016/SVG/main" r:embed="rId5"/>
+              </a:ext>
+            </a:extLst>
+          </a:blip>
+          <a:stretch>
+            <a:fillRect/>
+          </a:stretch>
+        </p:blipFill>
+        <p:spPr>
+          <a:xfrm>
+            <a:off x="123372" y="5427947"/>
+            <a:ext cx="1033843" cy="1033843"/>
+          </a:xfrm>
+          <a:prstGeom prst="rect">
+            <a:avLst/>
+          </a:prstGeom>
+        </p:spPr>
+      </p:pic>
+      <p:sp>
+        <p:nvSpPr>
+          <p:cNvPr id="40" name="TextBox 39">
+            <a:extLst>
+              <a:ext uri="{FF2B5EF4-FFF2-40B4-BE49-F238E27FC236}">
+                <a16:creationId xmlns:a16="http://schemas.microsoft.com/office/drawing/2014/main" id="{3FD6E23F-B519-72E8-A8D5-14200E2194FC}"/>
+              </a:ext>
+            </a:extLst>
+          </p:cNvPr>
+          <p:cNvSpPr txBox="1"/>
+          <p:nvPr/>
+        </p:nvSpPr>
+        <p:spPr>
+          <a:xfrm>
+            <a:off x="108374" y="5044001"/>
+            <a:ext cx="1103445" cy="330411"/>
+          </a:xfrm>
+          <a:prstGeom prst="rect">
+            <a:avLst/>
+          </a:prstGeom>
+          <a:noFill/>
+        </p:spPr>
+        <p:txBody>
+          <a:bodyPr wrap="square" rtlCol="0">
+            <a:spAutoFit/>
+          </a:bodyPr>
+          <a:lstStyle/>
+          <a:p>
+            <a:r>
+              <a:rPr lang="en-US" sz="1547" b="1" dirty="0"/>
+              <a:t>Location</a:t>
+            </a:r>
+            <a:endParaRPr lang="en-IN" sz="1547" b="1" dirty="0"/>
+          </a:p>
+        </p:txBody>
+      </p:sp>
+      <p:sp>
+        <p:nvSpPr>
+          <p:cNvPr id="42" name="Rectangle 41">
+            <a:extLst>
+              <a:ext uri="{FF2B5EF4-FFF2-40B4-BE49-F238E27FC236}">
+                <a16:creationId xmlns:a16="http://schemas.microsoft.com/office/drawing/2014/main" id="{A949733B-D685-847B-6474-43E8FD3EBA7C}"/>
+              </a:ext>
+            </a:extLst>
+          </p:cNvPr>
+          <p:cNvSpPr/>
+          <p:nvPr/>
+        </p:nvSpPr>
+        <p:spPr>
+          <a:xfrm>
+            <a:off x="1407863" y="1008272"/>
+            <a:ext cx="1774241" cy="1484907"/>
+          </a:xfrm>
+          <a:prstGeom prst="rect">
             <a:avLst/>
           </a:prstGeom>
           <a:solidFill>
-            <a:schemeClr val="accent4">
-              <a:lumMod val="75000"/>
+            <a:schemeClr val="bg1">
+              <a:lumMod val="95000"/>
             </a:schemeClr>
           </a:solidFill>
           <a:ln>
@@ -3126,221 +3530,16 @@
           <a:lstStyle/>
           <a:p>
             <a:pPr algn="ctr"/>
-            <a:endParaRPr lang="en-IN" sz="1547" dirty="0"/>
-          </a:p>
-        </p:txBody>
-      </p:sp>
-      <p:sp>
-        <p:nvSpPr>
-          <p:cNvPr id="6" name="TextBox 5">
-            <a:extLst>
-              <a:ext uri="{FF2B5EF4-FFF2-40B4-BE49-F238E27FC236}">
-                <a16:creationId xmlns:a16="http://schemas.microsoft.com/office/drawing/2014/main" id="{3CDBC372-F6B4-EEA5-937C-62E63E2E158E}"/>
-              </a:ext>
-            </a:extLst>
-          </p:cNvPr>
-          <p:cNvSpPr txBox="1"/>
-          <p:nvPr/>
-        </p:nvSpPr>
-        <p:spPr>
-          <a:xfrm>
-            <a:off x="2549403" y="44481"/>
-            <a:ext cx="5492015" cy="523220"/>
-          </a:xfrm>
-          <a:prstGeom prst="rect">
-            <a:avLst/>
-          </a:prstGeom>
-          <a:noFill/>
-        </p:spPr>
-        <p:txBody>
-          <a:bodyPr wrap="square" rtlCol="0">
-            <a:spAutoFit/>
-          </a:bodyPr>
-          <a:lstStyle/>
-          <a:p>
-            <a:pPr algn="ctr"/>
-            <a:r>
-              <a:rPr lang="en-US" sz="2400" b="1" dirty="0">
-                <a:solidFill>
-                  <a:schemeClr val="bg1"/>
-                </a:solidFill>
-                <a:latin typeface="Segoe UI" panose="020B0502040204020203" pitchFamily="34" charset="0"/>
-                <a:cs typeface="Segoe UI" panose="020B0502040204020203" pitchFamily="34" charset="0"/>
-              </a:rPr>
-              <a:t>Property  </a:t>
-            </a:r>
-            <a:r>
-              <a:rPr lang="en-US" sz="2800" b="1" dirty="0">
-                <a:solidFill>
-                  <a:schemeClr val="tx2"/>
-                </a:solidFill>
-                <a:latin typeface="Segoe UI" panose="020B0502040204020203" pitchFamily="34" charset="0"/>
-                <a:cs typeface="Segoe UI" panose="020B0502040204020203" pitchFamily="34" charset="0"/>
-              </a:rPr>
-              <a:t>Management</a:t>
-            </a:r>
-            <a:r>
-              <a:rPr lang="en-US" sz="2400" b="1" dirty="0">
-                <a:solidFill>
-                  <a:schemeClr val="bg1"/>
-                </a:solidFill>
-                <a:latin typeface="Segoe UI" panose="020B0502040204020203" pitchFamily="34" charset="0"/>
-                <a:cs typeface="Segoe UI" panose="020B0502040204020203" pitchFamily="34" charset="0"/>
-              </a:rPr>
-              <a:t> Dashboard</a:t>
-            </a:r>
-            <a:endParaRPr lang="en-IN" sz="2400" b="1" dirty="0">
-              <a:solidFill>
-                <a:schemeClr val="bg1"/>
-              </a:solidFill>
-              <a:latin typeface="Segoe UI" panose="020B0502040204020203" pitchFamily="34" charset="0"/>
-              <a:cs typeface="Segoe UI" panose="020B0502040204020203" pitchFamily="34" charset="0"/>
-            </a:endParaRPr>
-          </a:p>
-        </p:txBody>
-      </p:sp>
-      <p:sp>
-        <p:nvSpPr>
-          <p:cNvPr id="7" name="TextBox 6">
-            <a:extLst>
-              <a:ext uri="{FF2B5EF4-FFF2-40B4-BE49-F238E27FC236}">
-                <a16:creationId xmlns:a16="http://schemas.microsoft.com/office/drawing/2014/main" id="{4679A94C-0523-FB1D-46DC-6422E02710E5}"/>
-              </a:ext>
-            </a:extLst>
-          </p:cNvPr>
-          <p:cNvSpPr txBox="1"/>
-          <p:nvPr/>
-        </p:nvSpPr>
-        <p:spPr>
-          <a:xfrm>
-            <a:off x="2984985" y="495183"/>
-            <a:ext cx="3717672" cy="356701"/>
-          </a:xfrm>
-          <a:prstGeom prst="rect">
-            <a:avLst/>
-          </a:prstGeom>
-          <a:noFill/>
-        </p:spPr>
-        <p:txBody>
-          <a:bodyPr wrap="square" rtlCol="0">
-            <a:spAutoFit/>
-          </a:bodyPr>
-          <a:lstStyle/>
-          <a:p>
-            <a:r>
-              <a:rPr lang="en-US" sz="1718" dirty="0">
-                <a:solidFill>
-                  <a:schemeClr val="bg1"/>
-                </a:solidFill>
-                <a:latin typeface="Segoe UI Semibold" panose="020B0702040204020203" pitchFamily="34" charset="0"/>
-                <a:cs typeface="Segoe UI Semibold" panose="020B0702040204020203" pitchFamily="34" charset="0"/>
-              </a:rPr>
-              <a:t>Property Analysis Report</a:t>
-            </a:r>
-            <a:endParaRPr lang="en-IN" sz="1718" dirty="0">
-              <a:solidFill>
-                <a:schemeClr val="bg1"/>
-              </a:solidFill>
-              <a:latin typeface="Segoe UI Semibold" panose="020B0702040204020203" pitchFamily="34" charset="0"/>
-              <a:cs typeface="Segoe UI Semibold" panose="020B0702040204020203" pitchFamily="34" charset="0"/>
-            </a:endParaRPr>
-          </a:p>
-        </p:txBody>
-      </p:sp>
-      <p:sp>
-        <p:nvSpPr>
-          <p:cNvPr id="8" name="TextBox 7">
-            <a:extLst>
-              <a:ext uri="{FF2B5EF4-FFF2-40B4-BE49-F238E27FC236}">
-                <a16:creationId xmlns:a16="http://schemas.microsoft.com/office/drawing/2014/main" id="{233DDF6B-4B1E-D5DF-B887-7C967C97DB87}"/>
-              </a:ext>
-            </a:extLst>
-          </p:cNvPr>
-          <p:cNvSpPr txBox="1"/>
-          <p:nvPr/>
-        </p:nvSpPr>
-        <p:spPr>
-          <a:xfrm>
-            <a:off x="9" y="578948"/>
-            <a:ext cx="1960228" cy="356701"/>
-          </a:xfrm>
-          <a:prstGeom prst="rect">
-            <a:avLst/>
-          </a:prstGeom>
-          <a:noFill/>
-        </p:spPr>
-        <p:txBody>
-          <a:bodyPr wrap="square" rtlCol="0">
-            <a:spAutoFit/>
-          </a:bodyPr>
-          <a:lstStyle/>
-          <a:p>
-            <a:r>
-              <a:rPr lang="en-US" sz="1718" b="1" dirty="0">
-                <a:solidFill>
-                  <a:schemeClr val="bg1">
-                    <a:lumMod val="95000"/>
-                  </a:schemeClr>
-                </a:solidFill>
-                <a:latin typeface="Segoe UI Semibold" panose="020B0702040204020203" pitchFamily="34" charset="0"/>
-                <a:cs typeface="Segoe UI Semibold" panose="020B0702040204020203" pitchFamily="34" charset="0"/>
-              </a:rPr>
-              <a:t>Real Estate</a:t>
-            </a:r>
-            <a:endParaRPr lang="en-IN" sz="1718" b="1" dirty="0">
-              <a:solidFill>
-                <a:schemeClr val="bg1">
-                  <a:lumMod val="95000"/>
-                </a:schemeClr>
-              </a:solidFill>
-              <a:latin typeface="Segoe UI Semibold" panose="020B0702040204020203" pitchFamily="34" charset="0"/>
-              <a:cs typeface="Segoe UI Semibold" panose="020B0702040204020203" pitchFamily="34" charset="0"/>
-            </a:endParaRPr>
-          </a:p>
-        </p:txBody>
-      </p:sp>
-      <p:pic>
-        <p:nvPicPr>
-          <p:cNvPr id="14" name="Picture 13" descr="A hand holding a house&#10;&#10;Description automatically generated">
-            <a:extLst>
-              <a:ext uri="{FF2B5EF4-FFF2-40B4-BE49-F238E27FC236}">
-                <a16:creationId xmlns:a16="http://schemas.microsoft.com/office/drawing/2014/main" id="{A6D58F8C-7BEE-65BB-803E-116F7668DF42}"/>
-              </a:ext>
-            </a:extLst>
-          </p:cNvPr>
-          <p:cNvPicPr>
-            <a:picLocks noChangeAspect="1"/>
-          </p:cNvPicPr>
-          <p:nvPr/>
-        </p:nvPicPr>
-        <p:blipFill>
-          <a:blip r:embed="rId2">
-            <a:extLst>
-              <a:ext uri="{28A0092B-C50C-407E-A947-70E740481C1C}">
-                <a14:useLocalDpi xmlns:a14="http://schemas.microsoft.com/office/drawing/2010/main" val="0"/>
-              </a:ext>
-            </a:extLst>
-          </a:blip>
-          <a:stretch>
-            <a:fillRect/>
-          </a:stretch>
-        </p:blipFill>
-        <p:spPr>
-          <a:xfrm>
-            <a:off x="232026" y="73120"/>
-            <a:ext cx="747447" cy="535530"/>
-          </a:xfrm>
-          <a:prstGeom prst="rect">
-            <a:avLst/>
-          </a:prstGeom>
-        </p:spPr>
-      </p:pic>
-      <p:sp>
-        <p:nvSpPr>
-          <p:cNvPr id="15" name="Rectangle: Rounded Corners 14">
-            <a:extLst>
-              <a:ext uri="{FF2B5EF4-FFF2-40B4-BE49-F238E27FC236}">
-                <a16:creationId xmlns:a16="http://schemas.microsoft.com/office/drawing/2014/main" id="{26A56DC3-C43B-61F3-A302-98CD35125A14}"/>
+            <a:endParaRPr lang="en-IN" sz="1547"/>
+          </a:p>
+        </p:txBody>
+      </p:sp>
+      <p:sp>
+        <p:nvSpPr>
+          <p:cNvPr id="43" name="Rectangle 42">
+            <a:extLst>
+              <a:ext uri="{FF2B5EF4-FFF2-40B4-BE49-F238E27FC236}">
+                <a16:creationId xmlns:a16="http://schemas.microsoft.com/office/drawing/2014/main" id="{6D73EAE2-EEFC-7785-8185-4664538A33F5}"/>
               </a:ext>
             </a:extLst>
           </p:cNvPr>
@@ -3349,12 +3548,20 @@
         </p:nvSpPr>
         <p:spPr>
           <a:xfrm>
-            <a:off x="36321" y="982583"/>
-            <a:ext cx="1168924" cy="1523918"/>
-          </a:xfrm>
-          <a:prstGeom prst="roundRect">
-            <a:avLst/>
-          </a:prstGeom>
+            <a:off x="1407863" y="2533467"/>
+            <a:ext cx="1774241" cy="1523918"/>
+          </a:xfrm>
+          <a:prstGeom prst="rect">
+            <a:avLst/>
+          </a:prstGeom>
+          <a:solidFill>
+            <a:schemeClr val="bg1">
+              <a:lumMod val="95000"/>
+            </a:schemeClr>
+          </a:solidFill>
+          <a:ln>
+            <a:noFill/>
+          </a:ln>
         </p:spPr>
         <p:style>
           <a:lnRef idx="2">
@@ -3381,49 +3588,12 @@
           </a:p>
         </p:txBody>
       </p:sp>
-      <p:pic>
-        <p:nvPicPr>
-          <p:cNvPr id="27" name="Picture 26" descr="A black background with a black square&#10;&#10;Description automatically generated with medium confidence">
-            <a:extLst>
-              <a:ext uri="{FF2B5EF4-FFF2-40B4-BE49-F238E27FC236}">
-                <a16:creationId xmlns:a16="http://schemas.microsoft.com/office/drawing/2014/main" id="{E1A027C9-A19B-A5CA-F023-F49EE62C9119}"/>
-              </a:ext>
-            </a:extLst>
-          </p:cNvPr>
-          <p:cNvPicPr>
-            <a:picLocks noChangeAspect="1"/>
-          </p:cNvPicPr>
-          <p:nvPr/>
-        </p:nvPicPr>
-        <p:blipFill>
-          <a:blip r:embed="rId3">
-            <a:lum bright="70000" contrast="-70000"/>
-            <a:extLst>
-              <a:ext uri="{28A0092B-C50C-407E-A947-70E740481C1C}">
-                <a14:useLocalDpi xmlns:a14="http://schemas.microsoft.com/office/drawing/2010/main" val="0"/>
-              </a:ext>
-            </a:extLst>
-          </a:blip>
-          <a:stretch>
-            <a:fillRect/>
-          </a:stretch>
-        </p:blipFill>
-        <p:spPr>
-          <a:xfrm>
-            <a:off x="166710" y="1090871"/>
-            <a:ext cx="973298" cy="1072768"/>
-          </a:xfrm>
-          <a:prstGeom prst="rect">
-            <a:avLst/>
-          </a:prstGeom>
-        </p:spPr>
-      </p:pic>
-      <p:sp>
-        <p:nvSpPr>
-          <p:cNvPr id="30" name="Rectangle: Rounded Corners 29">
-            <a:extLst>
-              <a:ext uri="{FF2B5EF4-FFF2-40B4-BE49-F238E27FC236}">
-                <a16:creationId xmlns:a16="http://schemas.microsoft.com/office/drawing/2014/main" id="{F025A45A-A3F3-DFEC-43BE-7462626CC3F5}"/>
+      <p:sp>
+        <p:nvSpPr>
+          <p:cNvPr id="44" name="Rectangle 43">
+            <a:extLst>
+              <a:ext uri="{FF2B5EF4-FFF2-40B4-BE49-F238E27FC236}">
+                <a16:creationId xmlns:a16="http://schemas.microsoft.com/office/drawing/2014/main" id="{4A20F78F-7EC0-6635-FB32-7C79C214215A}"/>
               </a:ext>
             </a:extLst>
           </p:cNvPr>
@@ -3432,380 +3602,8 @@
         </p:nvSpPr>
         <p:spPr>
           <a:xfrm>
-            <a:off x="36321" y="2534685"/>
-            <a:ext cx="1168924" cy="1523918"/>
-          </a:xfrm>
-          <a:prstGeom prst="roundRect">
-            <a:avLst/>
-          </a:prstGeom>
-        </p:spPr>
-        <p:style>
-          <a:lnRef idx="1">
-            <a:schemeClr val="dk1"/>
-          </a:lnRef>
-          <a:fillRef idx="2">
-            <a:schemeClr val="dk1"/>
-          </a:fillRef>
-          <a:effectRef idx="1">
-            <a:schemeClr val="dk1"/>
-          </a:effectRef>
-          <a:fontRef idx="minor">
-            <a:schemeClr val="dk1"/>
-          </a:fontRef>
-        </p:style>
-        <p:txBody>
-          <a:bodyPr rtlCol="0" anchor="ctr"/>
-          <a:lstStyle/>
-          <a:p>
-            <a:pPr algn="ctr"/>
-            <a:endParaRPr lang="en-IN" sz="1547" dirty="0"/>
-          </a:p>
-        </p:txBody>
-      </p:sp>
-      <p:sp>
-        <p:nvSpPr>
-          <p:cNvPr id="32" name="Rectangle: Rounded Corners 31">
-            <a:extLst>
-              <a:ext uri="{FF2B5EF4-FFF2-40B4-BE49-F238E27FC236}">
-                <a16:creationId xmlns:a16="http://schemas.microsoft.com/office/drawing/2014/main" id="{8AF204A3-10B2-B9D9-D5BE-E864A570EEE6}"/>
-              </a:ext>
-            </a:extLst>
-          </p:cNvPr>
-          <p:cNvSpPr/>
-          <p:nvPr/>
-        </p:nvSpPr>
-        <p:spPr>
-          <a:xfrm>
-            <a:off x="47207" y="5649767"/>
-            <a:ext cx="1168924" cy="1523918"/>
-          </a:xfrm>
-          <a:prstGeom prst="roundRect">
-            <a:avLst/>
-          </a:prstGeom>
-        </p:spPr>
-        <p:style>
-          <a:lnRef idx="1">
-            <a:schemeClr val="dk1"/>
-          </a:lnRef>
-          <a:fillRef idx="2">
-            <a:schemeClr val="dk1"/>
-          </a:fillRef>
-          <a:effectRef idx="1">
-            <a:schemeClr val="dk1"/>
-          </a:effectRef>
-          <a:fontRef idx="minor">
-            <a:schemeClr val="dk1"/>
-          </a:fontRef>
-        </p:style>
-        <p:txBody>
-          <a:bodyPr rtlCol="0" anchor="ctr"/>
-          <a:lstStyle/>
-          <a:p>
-            <a:pPr algn="ctr"/>
-            <a:endParaRPr lang="en-IN" sz="1547" dirty="0"/>
-          </a:p>
-        </p:txBody>
-      </p:sp>
-      <p:sp>
-        <p:nvSpPr>
-          <p:cNvPr id="31" name="Rectangle: Rounded Corners 30">
-            <a:extLst>
-              <a:ext uri="{FF2B5EF4-FFF2-40B4-BE49-F238E27FC236}">
-                <a16:creationId xmlns:a16="http://schemas.microsoft.com/office/drawing/2014/main" id="{432A1638-CDC5-5D56-FF65-38950DD6DC42}"/>
-              </a:ext>
-            </a:extLst>
-          </p:cNvPr>
-          <p:cNvSpPr/>
-          <p:nvPr/>
-        </p:nvSpPr>
-        <p:spPr>
-          <a:xfrm>
-            <a:off x="25435" y="4097673"/>
-            <a:ext cx="1168924" cy="1523918"/>
-          </a:xfrm>
-          <a:prstGeom prst="roundRect">
-            <a:avLst/>
-          </a:prstGeom>
-        </p:spPr>
-        <p:style>
-          <a:lnRef idx="1">
-            <a:schemeClr val="dk1"/>
-          </a:lnRef>
-          <a:fillRef idx="2">
-            <a:schemeClr val="dk1"/>
-          </a:fillRef>
-          <a:effectRef idx="1">
-            <a:schemeClr val="dk1"/>
-          </a:effectRef>
-          <a:fontRef idx="minor">
-            <a:schemeClr val="dk1"/>
-          </a:fontRef>
-        </p:style>
-        <p:txBody>
-          <a:bodyPr rtlCol="0" anchor="ctr"/>
-          <a:lstStyle/>
-          <a:p>
-            <a:pPr algn="ctr"/>
-            <a:endParaRPr lang="en-IN" sz="1547" dirty="0"/>
-          </a:p>
-        </p:txBody>
-      </p:sp>
-      <p:pic>
-        <p:nvPicPr>
-          <p:cNvPr id="34" name="Graphic 33" descr="Eye with solid fill">
-            <a:extLst>
-              <a:ext uri="{FF2B5EF4-FFF2-40B4-BE49-F238E27FC236}">
-                <a16:creationId xmlns:a16="http://schemas.microsoft.com/office/drawing/2014/main" id="{C6E7FE2A-EB16-6564-75A2-3F6297E7EE8A}"/>
-              </a:ext>
-            </a:extLst>
-          </p:cNvPr>
-          <p:cNvPicPr>
-            <a:picLocks noChangeAspect="1"/>
-          </p:cNvPicPr>
-          <p:nvPr/>
-        </p:nvPicPr>
-        <p:blipFill>
-          <a:blip r:embed="rId4">
-            <a:extLst>
-              <a:ext uri="{96DAC541-7B7A-43D3-8B79-37D633B846F1}">
-                <asvg:svgBlip xmlns:asvg="http://schemas.microsoft.com/office/drawing/2016/SVG/main" r:embed="rId5"/>
-              </a:ext>
-            </a:extLst>
-          </a:blip>
-          <a:stretch>
-            <a:fillRect/>
-          </a:stretch>
-        </p:blipFill>
-        <p:spPr>
-          <a:xfrm>
-            <a:off x="123372" y="3008928"/>
-            <a:ext cx="961932" cy="872211"/>
-          </a:xfrm>
-          <a:prstGeom prst="rect">
-            <a:avLst/>
-          </a:prstGeom>
-        </p:spPr>
-      </p:pic>
-      <p:pic>
-        <p:nvPicPr>
-          <p:cNvPr id="36" name="Graphic 35" descr="Earth Globe - Asia with solid fill">
-            <a:extLst>
-              <a:ext uri="{FF2B5EF4-FFF2-40B4-BE49-F238E27FC236}">
-                <a16:creationId xmlns:a16="http://schemas.microsoft.com/office/drawing/2014/main" id="{515FB6B2-9343-BCD8-5849-63ED77BE34C2}"/>
-              </a:ext>
-            </a:extLst>
-          </p:cNvPr>
-          <p:cNvPicPr>
-            <a:picLocks noChangeAspect="1"/>
-          </p:cNvPicPr>
-          <p:nvPr/>
-        </p:nvPicPr>
-        <p:blipFill>
-          <a:blip r:embed="rId6">
-            <a:extLst>
-              <a:ext uri="{96DAC541-7B7A-43D3-8B79-37D633B846F1}">
-                <asvg:svgBlip xmlns:asvg="http://schemas.microsoft.com/office/drawing/2016/SVG/main" r:embed="rId7"/>
-              </a:ext>
-            </a:extLst>
-          </a:blip>
-          <a:stretch>
-            <a:fillRect/>
-          </a:stretch>
-        </p:blipFill>
-        <p:spPr>
-          <a:xfrm>
-            <a:off x="182049" y="4650168"/>
-            <a:ext cx="744093" cy="744093"/>
-          </a:xfrm>
-          <a:prstGeom prst="rect">
-            <a:avLst/>
-          </a:prstGeom>
-        </p:spPr>
-      </p:pic>
-      <p:pic>
-        <p:nvPicPr>
-          <p:cNvPr id="38" name="Graphic 37" descr="Open book outline">
-            <a:extLst>
-              <a:ext uri="{FF2B5EF4-FFF2-40B4-BE49-F238E27FC236}">
-                <a16:creationId xmlns:a16="http://schemas.microsoft.com/office/drawing/2014/main" id="{1ED24BF8-E0A0-9154-F9EB-B8DB1F7F37A9}"/>
-              </a:ext>
-            </a:extLst>
-          </p:cNvPr>
-          <p:cNvPicPr>
-            <a:picLocks noChangeAspect="1"/>
-          </p:cNvPicPr>
-          <p:nvPr/>
-        </p:nvPicPr>
-        <p:blipFill>
-          <a:blip r:embed="rId8">
-            <a:extLst>
-              <a:ext uri="{96DAC541-7B7A-43D3-8B79-37D633B846F1}">
-                <asvg:svgBlip xmlns:asvg="http://schemas.microsoft.com/office/drawing/2016/SVG/main" r:embed="rId9"/>
-              </a:ext>
-            </a:extLst>
-          </a:blip>
-          <a:stretch>
-            <a:fillRect/>
-          </a:stretch>
-        </p:blipFill>
-        <p:spPr>
-          <a:xfrm>
-            <a:off x="161206" y="6132398"/>
-            <a:ext cx="785781" cy="785781"/>
-          </a:xfrm>
-          <a:prstGeom prst="rect">
-            <a:avLst/>
-          </a:prstGeom>
-        </p:spPr>
-      </p:pic>
-      <p:sp>
-        <p:nvSpPr>
-          <p:cNvPr id="39" name="TextBox 38">
-            <a:extLst>
-              <a:ext uri="{FF2B5EF4-FFF2-40B4-BE49-F238E27FC236}">
-                <a16:creationId xmlns:a16="http://schemas.microsoft.com/office/drawing/2014/main" id="{E44203E8-D016-00F6-7F64-CE28A7680061}"/>
-              </a:ext>
-            </a:extLst>
-          </p:cNvPr>
-          <p:cNvSpPr txBox="1"/>
-          <p:nvPr/>
-        </p:nvSpPr>
-        <p:spPr>
-          <a:xfrm>
-            <a:off x="134458" y="2690944"/>
-            <a:ext cx="1103445" cy="330411"/>
-          </a:xfrm>
-          <a:prstGeom prst="rect">
-            <a:avLst/>
-          </a:prstGeom>
-          <a:noFill/>
-        </p:spPr>
-        <p:txBody>
-          <a:bodyPr wrap="square" rtlCol="0">
-            <a:spAutoFit/>
-          </a:bodyPr>
-          <a:lstStyle/>
-          <a:p>
-            <a:r>
-              <a:rPr lang="en-US" sz="1547" b="1" dirty="0">
-                <a:solidFill>
-                  <a:schemeClr val="bg1"/>
-                </a:solidFill>
-              </a:rPr>
-              <a:t>Overview</a:t>
-            </a:r>
-            <a:endParaRPr lang="en-IN" sz="1547" b="1" dirty="0">
-              <a:solidFill>
-                <a:schemeClr val="bg1"/>
-              </a:solidFill>
-            </a:endParaRPr>
-          </a:p>
-        </p:txBody>
-      </p:sp>
-      <p:sp>
-        <p:nvSpPr>
-          <p:cNvPr id="40" name="TextBox 39">
-            <a:extLst>
-              <a:ext uri="{FF2B5EF4-FFF2-40B4-BE49-F238E27FC236}">
-                <a16:creationId xmlns:a16="http://schemas.microsoft.com/office/drawing/2014/main" id="{3FD6E23F-B519-72E8-A8D5-14200E2194FC}"/>
-              </a:ext>
-            </a:extLst>
-          </p:cNvPr>
-          <p:cNvSpPr txBox="1"/>
-          <p:nvPr/>
-        </p:nvSpPr>
-        <p:spPr>
-          <a:xfrm>
-            <a:off x="161206" y="4301041"/>
-            <a:ext cx="1103445" cy="330411"/>
-          </a:xfrm>
-          <a:prstGeom prst="rect">
-            <a:avLst/>
-          </a:prstGeom>
-          <a:noFill/>
-        </p:spPr>
-        <p:txBody>
-          <a:bodyPr wrap="square" rtlCol="0">
-            <a:spAutoFit/>
-          </a:bodyPr>
-          <a:lstStyle/>
-          <a:p>
-            <a:r>
-              <a:rPr lang="en-US" sz="1547" b="1" dirty="0">
-                <a:solidFill>
-                  <a:schemeClr val="bg1"/>
-                </a:solidFill>
-              </a:rPr>
-              <a:t>Location</a:t>
-            </a:r>
-            <a:endParaRPr lang="en-IN" sz="1547" b="1" dirty="0">
-              <a:solidFill>
-                <a:schemeClr val="bg1"/>
-              </a:solidFill>
-            </a:endParaRPr>
-          </a:p>
-        </p:txBody>
-      </p:sp>
-      <p:sp>
-        <p:nvSpPr>
-          <p:cNvPr id="41" name="TextBox 40">
-            <a:extLst>
-              <a:ext uri="{FF2B5EF4-FFF2-40B4-BE49-F238E27FC236}">
-                <a16:creationId xmlns:a16="http://schemas.microsoft.com/office/drawing/2014/main" id="{6D2C7873-F27D-F826-C25A-6A09D8AC6CB0}"/>
-              </a:ext>
-            </a:extLst>
-          </p:cNvPr>
-          <p:cNvSpPr txBox="1"/>
-          <p:nvPr/>
-        </p:nvSpPr>
-        <p:spPr>
-          <a:xfrm>
-            <a:off x="129698" y="5811309"/>
-            <a:ext cx="1103445" cy="330411"/>
-          </a:xfrm>
-          <a:prstGeom prst="rect">
-            <a:avLst/>
-          </a:prstGeom>
-          <a:noFill/>
-        </p:spPr>
-        <p:txBody>
-          <a:bodyPr wrap="square" rtlCol="0">
-            <a:spAutoFit/>
-          </a:bodyPr>
-          <a:lstStyle/>
-          <a:p>
-            <a:r>
-              <a:rPr lang="en-US" sz="1547" b="1" dirty="0">
-                <a:solidFill>
-                  <a:schemeClr val="bg1"/>
-                </a:solidFill>
-              </a:rPr>
-              <a:t>About Us</a:t>
-            </a:r>
-            <a:endParaRPr lang="en-IN" sz="1547" b="1" dirty="0">
-              <a:solidFill>
-                <a:schemeClr val="bg1"/>
-              </a:solidFill>
-            </a:endParaRPr>
-          </a:p>
-        </p:txBody>
-      </p:sp>
-      <p:sp>
-        <p:nvSpPr>
-          <p:cNvPr id="42" name="Rectangle 41">
-            <a:extLst>
-              <a:ext uri="{FF2B5EF4-FFF2-40B4-BE49-F238E27FC236}">
-                <a16:creationId xmlns:a16="http://schemas.microsoft.com/office/drawing/2014/main" id="{A949733B-D685-847B-6474-43E8FD3EBA7C}"/>
-              </a:ext>
-            </a:extLst>
-          </p:cNvPr>
-          <p:cNvSpPr/>
-          <p:nvPr/>
-        </p:nvSpPr>
-        <p:spPr>
-          <a:xfrm>
-            <a:off x="1407863" y="1008272"/>
-            <a:ext cx="1774241" cy="1484907"/>
+            <a:off x="1407863" y="4097673"/>
+            <a:ext cx="1774241" cy="1507251"/>
           </a:xfrm>
           <a:prstGeom prst="rect">
             <a:avLst/>
@@ -3846,10 +3644,10 @@
       </p:sp>
       <p:sp>
         <p:nvSpPr>
-          <p:cNvPr id="43" name="Rectangle 42">
-            <a:extLst>
-              <a:ext uri="{FF2B5EF4-FFF2-40B4-BE49-F238E27FC236}">
-                <a16:creationId xmlns:a16="http://schemas.microsoft.com/office/drawing/2014/main" id="{6D73EAE2-EEFC-7785-8185-4664538A33F5}"/>
+          <p:cNvPr id="45" name="Rectangle 44">
+            <a:extLst>
+              <a:ext uri="{FF2B5EF4-FFF2-40B4-BE49-F238E27FC236}">
+                <a16:creationId xmlns:a16="http://schemas.microsoft.com/office/drawing/2014/main" id="{6E4F8D43-B88E-1949-9DF8-E7F6B9DE51C8}"/>
               </a:ext>
             </a:extLst>
           </p:cNvPr>
@@ -3858,8 +3656,8 @@
         </p:nvSpPr>
         <p:spPr>
           <a:xfrm>
-            <a:off x="1407863" y="2533467"/>
-            <a:ext cx="1774241" cy="1523918"/>
+            <a:off x="1407862" y="5632958"/>
+            <a:ext cx="1799433" cy="1505065"/>
           </a:xfrm>
           <a:prstGeom prst="rect">
             <a:avLst/>
@@ -3900,10 +3698,10 @@
       </p:sp>
       <p:sp>
         <p:nvSpPr>
-          <p:cNvPr id="44" name="Rectangle 43">
-            <a:extLst>
-              <a:ext uri="{FF2B5EF4-FFF2-40B4-BE49-F238E27FC236}">
-                <a16:creationId xmlns:a16="http://schemas.microsoft.com/office/drawing/2014/main" id="{4A20F78F-7EC0-6635-FB32-7C79C214215A}"/>
+          <p:cNvPr id="47" name="Rectangle 46">
+            <a:extLst>
+              <a:ext uri="{FF2B5EF4-FFF2-40B4-BE49-F238E27FC236}">
+                <a16:creationId xmlns:a16="http://schemas.microsoft.com/office/drawing/2014/main" id="{09CF05B6-EC0F-3760-BB0B-671C38592253}"/>
               </a:ext>
             </a:extLst>
           </p:cNvPr>
@@ -3912,8 +3710,8 @@
         </p:nvSpPr>
         <p:spPr>
           <a:xfrm>
-            <a:off x="1407863" y="4097673"/>
-            <a:ext cx="1774241" cy="1507251"/>
+            <a:off x="6744977" y="1428545"/>
+            <a:ext cx="1363249" cy="1245137"/>
           </a:xfrm>
           <a:prstGeom prst="rect">
             <a:avLst/>
@@ -3948,16 +3746,16 @@
           <a:lstStyle/>
           <a:p>
             <a:pPr algn="ctr"/>
-            <a:endParaRPr lang="en-IN" sz="1547"/>
-          </a:p>
-        </p:txBody>
-      </p:sp>
-      <p:sp>
-        <p:nvSpPr>
-          <p:cNvPr id="45" name="Rectangle 44">
-            <a:extLst>
-              <a:ext uri="{FF2B5EF4-FFF2-40B4-BE49-F238E27FC236}">
-                <a16:creationId xmlns:a16="http://schemas.microsoft.com/office/drawing/2014/main" id="{6E4F8D43-B88E-1949-9DF8-E7F6B9DE51C8}"/>
+            <a:endParaRPr lang="en-IN" sz="1547" dirty="0"/>
+          </a:p>
+        </p:txBody>
+      </p:sp>
+      <p:sp>
+        <p:nvSpPr>
+          <p:cNvPr id="52" name="Rectangle 51">
+            <a:extLst>
+              <a:ext uri="{FF2B5EF4-FFF2-40B4-BE49-F238E27FC236}">
+                <a16:creationId xmlns:a16="http://schemas.microsoft.com/office/drawing/2014/main" id="{EBE0793A-0B66-02A1-30D3-AA9670015E7F}"/>
               </a:ext>
             </a:extLst>
           </p:cNvPr>
@@ -3966,8 +3764,8 @@
         </p:nvSpPr>
         <p:spPr>
           <a:xfrm>
-            <a:off x="1407862" y="5632958"/>
-            <a:ext cx="1799433" cy="1505065"/>
+            <a:off x="6734091" y="994125"/>
+            <a:ext cx="4211345" cy="398368"/>
           </a:xfrm>
           <a:prstGeom prst="rect">
             <a:avLst/>
@@ -4008,10 +3806,10 @@
       </p:sp>
       <p:sp>
         <p:nvSpPr>
-          <p:cNvPr id="46" name="Rectangle 45">
-            <a:extLst>
-              <a:ext uri="{FF2B5EF4-FFF2-40B4-BE49-F238E27FC236}">
-                <a16:creationId xmlns:a16="http://schemas.microsoft.com/office/drawing/2014/main" id="{4838C19D-8670-D52C-CEA9-358FFD1AA773}"/>
+          <p:cNvPr id="53" name="Rectangle 52">
+            <a:extLst>
+              <a:ext uri="{FF2B5EF4-FFF2-40B4-BE49-F238E27FC236}">
+                <a16:creationId xmlns:a16="http://schemas.microsoft.com/office/drawing/2014/main" id="{1201103B-080B-6047-E338-A31979A4491B}"/>
               </a:ext>
             </a:extLst>
           </p:cNvPr>
@@ -4020,8 +3818,8 @@
         </p:nvSpPr>
         <p:spPr>
           <a:xfrm>
-            <a:off x="3207295" y="1000699"/>
-            <a:ext cx="3483091" cy="3056685"/>
+            <a:off x="3238228" y="2532984"/>
+            <a:ext cx="3452158" cy="4621849"/>
           </a:xfrm>
           <a:prstGeom prst="rect">
             <a:avLst/>
@@ -4056,16 +3854,16 @@
           <a:lstStyle/>
           <a:p>
             <a:pPr algn="ctr"/>
-            <a:endParaRPr lang="en-IN" sz="1547"/>
-          </a:p>
-        </p:txBody>
-      </p:sp>
-      <p:sp>
-        <p:nvSpPr>
-          <p:cNvPr id="47" name="Rectangle 46">
-            <a:extLst>
-              <a:ext uri="{FF2B5EF4-FFF2-40B4-BE49-F238E27FC236}">
-                <a16:creationId xmlns:a16="http://schemas.microsoft.com/office/drawing/2014/main" id="{09CF05B6-EC0F-3760-BB0B-671C38592253}"/>
+            <a:endParaRPr lang="en-IN" sz="1547" dirty="0"/>
+          </a:p>
+        </p:txBody>
+      </p:sp>
+      <p:sp>
+        <p:nvSpPr>
+          <p:cNvPr id="55" name="Rectangle 54">
+            <a:extLst>
+              <a:ext uri="{FF2B5EF4-FFF2-40B4-BE49-F238E27FC236}">
+                <a16:creationId xmlns:a16="http://schemas.microsoft.com/office/drawing/2014/main" id="{0DA11433-6EE5-07E1-8A63-E761C0BF22FB}"/>
               </a:ext>
             </a:extLst>
           </p:cNvPr>
@@ -4074,8 +3872,8 @@
         </p:nvSpPr>
         <p:spPr>
           <a:xfrm>
-            <a:off x="6744977" y="1519917"/>
-            <a:ext cx="1363249" cy="2537467"/>
+            <a:off x="6721320" y="3987092"/>
+            <a:ext cx="4224116" cy="3167740"/>
           </a:xfrm>
           <a:prstGeom prst="rect">
             <a:avLst/>
@@ -4114,276 +3912,6 @@
           </a:p>
         </p:txBody>
       </p:sp>
-      <p:sp>
-        <p:nvSpPr>
-          <p:cNvPr id="50" name="Rectangle 49">
-            <a:extLst>
-              <a:ext uri="{FF2B5EF4-FFF2-40B4-BE49-F238E27FC236}">
-                <a16:creationId xmlns:a16="http://schemas.microsoft.com/office/drawing/2014/main" id="{02B1E178-883F-A62A-4CA7-E447378E0181}"/>
-              </a:ext>
-            </a:extLst>
-          </p:cNvPr>
-          <p:cNvSpPr/>
-          <p:nvPr/>
-        </p:nvSpPr>
-        <p:spPr>
-          <a:xfrm>
-            <a:off x="8153016" y="1527687"/>
-            <a:ext cx="1383486" cy="2528654"/>
-          </a:xfrm>
-          <a:prstGeom prst="rect">
-            <a:avLst/>
-          </a:prstGeom>
-          <a:solidFill>
-            <a:schemeClr val="bg1">
-              <a:lumMod val="95000"/>
-            </a:schemeClr>
-          </a:solidFill>
-          <a:ln>
-            <a:noFill/>
-          </a:ln>
-        </p:spPr>
-        <p:style>
-          <a:lnRef idx="2">
-            <a:schemeClr val="accent1">
-              <a:shade val="15000"/>
-            </a:schemeClr>
-          </a:lnRef>
-          <a:fillRef idx="1">
-            <a:schemeClr val="accent1"/>
-          </a:fillRef>
-          <a:effectRef idx="0">
-            <a:schemeClr val="accent1"/>
-          </a:effectRef>
-          <a:fontRef idx="minor">
-            <a:schemeClr val="lt1"/>
-          </a:fontRef>
-        </p:style>
-        <p:txBody>
-          <a:bodyPr rtlCol="0" anchor="ctr"/>
-          <a:lstStyle/>
-          <a:p>
-            <a:pPr algn="ctr"/>
-            <a:endParaRPr lang="en-IN" sz="1547" dirty="0"/>
-          </a:p>
-        </p:txBody>
-      </p:sp>
-      <p:sp>
-        <p:nvSpPr>
-          <p:cNvPr id="52" name="Rectangle 51">
-            <a:extLst>
-              <a:ext uri="{FF2B5EF4-FFF2-40B4-BE49-F238E27FC236}">
-                <a16:creationId xmlns:a16="http://schemas.microsoft.com/office/drawing/2014/main" id="{EBE0793A-0B66-02A1-30D3-AA9670015E7F}"/>
-              </a:ext>
-            </a:extLst>
-          </p:cNvPr>
-          <p:cNvSpPr/>
-          <p:nvPr/>
-        </p:nvSpPr>
-        <p:spPr>
-          <a:xfrm>
-            <a:off x="6734091" y="994125"/>
-            <a:ext cx="4211345" cy="501714"/>
-          </a:xfrm>
-          <a:prstGeom prst="rect">
-            <a:avLst/>
-          </a:prstGeom>
-          <a:solidFill>
-            <a:schemeClr val="bg1">
-              <a:lumMod val="95000"/>
-            </a:schemeClr>
-          </a:solidFill>
-          <a:ln>
-            <a:noFill/>
-          </a:ln>
-        </p:spPr>
-        <p:style>
-          <a:lnRef idx="2">
-            <a:schemeClr val="accent1">
-              <a:shade val="15000"/>
-            </a:schemeClr>
-          </a:lnRef>
-          <a:fillRef idx="1">
-            <a:schemeClr val="accent1"/>
-          </a:fillRef>
-          <a:effectRef idx="0">
-            <a:schemeClr val="accent1"/>
-          </a:effectRef>
-          <a:fontRef idx="minor">
-            <a:schemeClr val="lt1"/>
-          </a:fontRef>
-        </p:style>
-        <p:txBody>
-          <a:bodyPr rtlCol="0" anchor="ctr"/>
-          <a:lstStyle/>
-          <a:p>
-            <a:pPr algn="ctr"/>
-            <a:endParaRPr lang="en-IN" sz="1547"/>
-          </a:p>
-        </p:txBody>
-      </p:sp>
-      <p:sp>
-        <p:nvSpPr>
-          <p:cNvPr id="53" name="Rectangle 52">
-            <a:extLst>
-              <a:ext uri="{FF2B5EF4-FFF2-40B4-BE49-F238E27FC236}">
-                <a16:creationId xmlns:a16="http://schemas.microsoft.com/office/drawing/2014/main" id="{1201103B-080B-6047-E338-A31979A4491B}"/>
-              </a:ext>
-            </a:extLst>
-          </p:cNvPr>
-          <p:cNvSpPr/>
-          <p:nvPr/>
-        </p:nvSpPr>
-        <p:spPr>
-          <a:xfrm>
-            <a:off x="3238228" y="4089875"/>
-            <a:ext cx="3452158" cy="3064957"/>
-          </a:xfrm>
-          <a:prstGeom prst="rect">
-            <a:avLst/>
-          </a:prstGeom>
-          <a:solidFill>
-            <a:schemeClr val="bg1">
-              <a:lumMod val="95000"/>
-            </a:schemeClr>
-          </a:solidFill>
-          <a:ln>
-            <a:noFill/>
-          </a:ln>
-        </p:spPr>
-        <p:style>
-          <a:lnRef idx="2">
-            <a:schemeClr val="accent1">
-              <a:shade val="15000"/>
-            </a:schemeClr>
-          </a:lnRef>
-          <a:fillRef idx="1">
-            <a:schemeClr val="accent1"/>
-          </a:fillRef>
-          <a:effectRef idx="0">
-            <a:schemeClr val="accent1"/>
-          </a:effectRef>
-          <a:fontRef idx="minor">
-            <a:schemeClr val="lt1"/>
-          </a:fontRef>
-        </p:style>
-        <p:txBody>
-          <a:bodyPr rtlCol="0" anchor="ctr"/>
-          <a:lstStyle/>
-          <a:p>
-            <a:pPr algn="ctr"/>
-            <a:endParaRPr lang="en-IN" sz="1547" dirty="0"/>
-          </a:p>
-        </p:txBody>
-      </p:sp>
-      <p:sp>
-        <p:nvSpPr>
-          <p:cNvPr id="54" name="Rectangle 53">
-            <a:extLst>
-              <a:ext uri="{FF2B5EF4-FFF2-40B4-BE49-F238E27FC236}">
-                <a16:creationId xmlns:a16="http://schemas.microsoft.com/office/drawing/2014/main" id="{7CA7FF8E-75C8-5589-7482-9830E3FABB8C}"/>
-              </a:ext>
-            </a:extLst>
-          </p:cNvPr>
-          <p:cNvSpPr/>
-          <p:nvPr/>
-        </p:nvSpPr>
-        <p:spPr>
-          <a:xfrm>
-            <a:off x="6734091" y="4104740"/>
-            <a:ext cx="4211345" cy="377910"/>
-          </a:xfrm>
-          <a:prstGeom prst="rect">
-            <a:avLst/>
-          </a:prstGeom>
-          <a:solidFill>
-            <a:schemeClr val="bg1">
-              <a:lumMod val="95000"/>
-            </a:schemeClr>
-          </a:solidFill>
-          <a:ln>
-            <a:noFill/>
-          </a:ln>
-        </p:spPr>
-        <p:style>
-          <a:lnRef idx="2">
-            <a:schemeClr val="accent1">
-              <a:shade val="15000"/>
-            </a:schemeClr>
-          </a:lnRef>
-          <a:fillRef idx="1">
-            <a:schemeClr val="accent1"/>
-          </a:fillRef>
-          <a:effectRef idx="0">
-            <a:schemeClr val="accent1"/>
-          </a:effectRef>
-          <a:fontRef idx="minor">
-            <a:schemeClr val="lt1"/>
-          </a:fontRef>
-        </p:style>
-        <p:txBody>
-          <a:bodyPr rtlCol="0" anchor="ctr"/>
-          <a:lstStyle/>
-          <a:p>
-            <a:pPr algn="ctr"/>
-            <a:endParaRPr lang="en-IN" sz="1547"/>
-          </a:p>
-        </p:txBody>
-      </p:sp>
-      <p:sp>
-        <p:nvSpPr>
-          <p:cNvPr id="55" name="Rectangle 54">
-            <a:extLst>
-              <a:ext uri="{FF2B5EF4-FFF2-40B4-BE49-F238E27FC236}">
-                <a16:creationId xmlns:a16="http://schemas.microsoft.com/office/drawing/2014/main" id="{0DA11433-6EE5-07E1-8A63-E761C0BF22FB}"/>
-              </a:ext>
-            </a:extLst>
-          </p:cNvPr>
-          <p:cNvSpPr/>
-          <p:nvPr/>
-        </p:nvSpPr>
-        <p:spPr>
-          <a:xfrm>
-            <a:off x="6721320" y="4514498"/>
-            <a:ext cx="4224116" cy="2640333"/>
-          </a:xfrm>
-          <a:prstGeom prst="rect">
-            <a:avLst/>
-          </a:prstGeom>
-          <a:solidFill>
-            <a:schemeClr val="bg1">
-              <a:lumMod val="95000"/>
-            </a:schemeClr>
-          </a:solidFill>
-          <a:ln>
-            <a:noFill/>
-          </a:ln>
-        </p:spPr>
-        <p:style>
-          <a:lnRef idx="2">
-            <a:schemeClr val="accent1">
-              <a:shade val="15000"/>
-            </a:schemeClr>
-          </a:lnRef>
-          <a:fillRef idx="1">
-            <a:schemeClr val="accent1"/>
-          </a:fillRef>
-          <a:effectRef idx="0">
-            <a:schemeClr val="accent1"/>
-          </a:effectRef>
-          <a:fontRef idx="minor">
-            <a:schemeClr val="lt1"/>
-          </a:fontRef>
-        </p:style>
-        <p:txBody>
-          <a:bodyPr rtlCol="0" anchor="ctr"/>
-          <a:lstStyle/>
-          <a:p>
-            <a:pPr algn="ctr"/>
-            <a:endParaRPr lang="en-IN" sz="1547" dirty="0"/>
-          </a:p>
-        </p:txBody>
-      </p:sp>
       <p:pic>
         <p:nvPicPr>
           <p:cNvPr id="57" name="Picture 56" descr="A car in a garage&#10;&#10;Description automatically generated">
@@ -4399,7 +3927,7 @@
           <p:nvPr/>
         </p:nvPicPr>
         <p:blipFill>
-          <a:blip r:embed="rId10">
+          <a:blip r:embed="rId6">
             <a:duotone>
               <a:prstClr val="black"/>
               <a:schemeClr val="bg1">
@@ -4411,7 +3939,7 @@
             <a:extLst>
               <a:ext uri="{BEBA8EAE-BF5A-486C-A8C5-ECC9F3942E4B}">
                 <a14:imgProps xmlns:a14="http://schemas.microsoft.com/office/drawing/2010/main">
-                  <a14:imgLayer r:embed="rId11">
+                  <a14:imgLayer r:embed="rId7">
                     <a14:imgEffect>
                       <a14:backgroundRemoval t="10000" b="90000" l="10000" r="90000">
                         <a14:foregroundMark x1="23000" y1="39250" x2="68750" y2="39250"/>
@@ -4449,8 +3977,8 @@
         </p:blipFill>
         <p:spPr>
           <a:xfrm>
-            <a:off x="6778881" y="1543636"/>
-            <a:ext cx="1293713" cy="1108285"/>
+            <a:off x="6990473" y="1284308"/>
+            <a:ext cx="744424" cy="637726"/>
           </a:xfrm>
           <a:prstGeom prst="rect">
             <a:avLst/>
@@ -4459,7 +3987,866 @@
       </p:pic>
       <p:pic>
         <p:nvPicPr>
-          <p:cNvPr id="59" name="Picture 58" descr="A black and white logo of a house with a leaf&#10;&#10;Description automatically generated">
+          <p:cNvPr id="63" name="Graphic 62" descr="Checkmark with solid fill">
+            <a:extLst>
+              <a:ext uri="{FF2B5EF4-FFF2-40B4-BE49-F238E27FC236}">
+                <a16:creationId xmlns:a16="http://schemas.microsoft.com/office/drawing/2014/main" id="{FD1415E5-7389-82C7-147B-C1E0F85A20CB}"/>
+              </a:ext>
+            </a:extLst>
+          </p:cNvPr>
+          <p:cNvPicPr>
+            <a:picLocks noChangeAspect="1"/>
+          </p:cNvPicPr>
+          <p:nvPr/>
+        </p:nvPicPr>
+        <p:blipFill>
+          <a:blip r:embed="rId8">
+            <a:extLst>
+              <a:ext uri="{96DAC541-7B7A-43D3-8B79-37D633B846F1}">
+                <asvg:svgBlip xmlns:asvg="http://schemas.microsoft.com/office/drawing/2016/SVG/main" r:embed="rId9"/>
+              </a:ext>
+            </a:extLst>
+          </a:blip>
+          <a:stretch>
+            <a:fillRect/>
+          </a:stretch>
+        </p:blipFill>
+        <p:spPr>
+          <a:xfrm>
+            <a:off x="7065817" y="1450792"/>
+            <a:ext cx="156963" cy="156963"/>
+          </a:xfrm>
+          <a:prstGeom prst="rect">
+            <a:avLst/>
+          </a:prstGeom>
+        </p:spPr>
+      </p:pic>
+      <p:sp>
+        <p:nvSpPr>
+          <p:cNvPr id="67" name="TextBox 66">
+            <a:extLst>
+              <a:ext uri="{FF2B5EF4-FFF2-40B4-BE49-F238E27FC236}">
+                <a16:creationId xmlns:a16="http://schemas.microsoft.com/office/drawing/2014/main" id="{C5FCDA2A-14FA-A881-479C-1D7B164E88AE}"/>
+              </a:ext>
+            </a:extLst>
+          </p:cNvPr>
+          <p:cNvSpPr txBox="1"/>
+          <p:nvPr/>
+        </p:nvSpPr>
+        <p:spPr>
+          <a:xfrm>
+            <a:off x="6771725" y="1783534"/>
+            <a:ext cx="1329345" cy="276999"/>
+          </a:xfrm>
+          <a:prstGeom prst="rect">
+            <a:avLst/>
+          </a:prstGeom>
+          <a:noFill/>
+        </p:spPr>
+        <p:txBody>
+          <a:bodyPr wrap="square" rtlCol="0">
+            <a:spAutoFit/>
+          </a:bodyPr>
+          <a:lstStyle/>
+          <a:p>
+            <a:pPr algn="ctr"/>
+            <a:r>
+              <a:rPr lang="en-US" sz="1200" b="1" dirty="0"/>
+              <a:t>Very Good</a:t>
+            </a:r>
+            <a:endParaRPr lang="en-IN" sz="1200" b="1" dirty="0"/>
+          </a:p>
+        </p:txBody>
+      </p:sp>
+      <p:sp>
+        <p:nvSpPr>
+          <p:cNvPr id="70" name="TextBox 69">
+            <a:extLst>
+              <a:ext uri="{FF2B5EF4-FFF2-40B4-BE49-F238E27FC236}">
+                <a16:creationId xmlns:a16="http://schemas.microsoft.com/office/drawing/2014/main" id="{08C238DB-A953-BB78-A85D-B3E0F79156D7}"/>
+              </a:ext>
+            </a:extLst>
+          </p:cNvPr>
+          <p:cNvSpPr txBox="1"/>
+          <p:nvPr/>
+        </p:nvSpPr>
+        <p:spPr>
+          <a:xfrm>
+            <a:off x="6701472" y="1018203"/>
+            <a:ext cx="4276582" cy="307777"/>
+          </a:xfrm>
+          <a:prstGeom prst="rect">
+            <a:avLst/>
+          </a:prstGeom>
+          <a:noFill/>
+        </p:spPr>
+        <p:txBody>
+          <a:bodyPr wrap="square" rtlCol="0">
+            <a:spAutoFit/>
+          </a:bodyPr>
+          <a:lstStyle/>
+          <a:p>
+            <a:r>
+              <a:rPr lang="en-US" sz="1400" b="1" dirty="0"/>
+              <a:t>Condition Status wise Properties</a:t>
+            </a:r>
+            <a:endParaRPr lang="en-IN" sz="1400" b="1" dirty="0"/>
+          </a:p>
+        </p:txBody>
+      </p:sp>
+      <p:sp>
+        <p:nvSpPr>
+          <p:cNvPr id="72" name="TextBox 71">
+            <a:extLst>
+              <a:ext uri="{FF2B5EF4-FFF2-40B4-BE49-F238E27FC236}">
+                <a16:creationId xmlns:a16="http://schemas.microsoft.com/office/drawing/2014/main" id="{BD5FE888-CCA5-AF3B-883F-1536A1039CC0}"/>
+              </a:ext>
+            </a:extLst>
+          </p:cNvPr>
+          <p:cNvSpPr txBox="1"/>
+          <p:nvPr/>
+        </p:nvSpPr>
+        <p:spPr>
+          <a:xfrm>
+            <a:off x="3153220" y="4816483"/>
+            <a:ext cx="3492029" cy="307777"/>
+          </a:xfrm>
+          <a:prstGeom prst="rect">
+            <a:avLst/>
+          </a:prstGeom>
+          <a:noFill/>
+        </p:spPr>
+        <p:txBody>
+          <a:bodyPr wrap="square" rtlCol="0">
+            <a:spAutoFit/>
+          </a:bodyPr>
+          <a:lstStyle/>
+          <a:p>
+            <a:r>
+              <a:rPr lang="en-US" sz="1400" b="1" dirty="0"/>
+              <a:t>Floor Contained in the Property</a:t>
+            </a:r>
+            <a:endParaRPr lang="en-IN" sz="1400" b="1" dirty="0"/>
+          </a:p>
+        </p:txBody>
+      </p:sp>
+      <p:sp>
+        <p:nvSpPr>
+          <p:cNvPr id="73" name="TextBox 72">
+            <a:extLst>
+              <a:ext uri="{FF2B5EF4-FFF2-40B4-BE49-F238E27FC236}">
+                <a16:creationId xmlns:a16="http://schemas.microsoft.com/office/drawing/2014/main" id="{D6AC1892-8B04-0F93-016B-B72AB292AEEC}"/>
+              </a:ext>
+            </a:extLst>
+          </p:cNvPr>
+          <p:cNvSpPr txBox="1"/>
+          <p:nvPr/>
+        </p:nvSpPr>
+        <p:spPr>
+          <a:xfrm>
+            <a:off x="3193072" y="2551644"/>
+            <a:ext cx="3492029" cy="307777"/>
+          </a:xfrm>
+          <a:prstGeom prst="rect">
+            <a:avLst/>
+          </a:prstGeom>
+          <a:noFill/>
+        </p:spPr>
+        <p:txBody>
+          <a:bodyPr wrap="square" rtlCol="0">
+            <a:spAutoFit/>
+          </a:bodyPr>
+          <a:lstStyle/>
+          <a:p>
+            <a:r>
+              <a:rPr lang="en-US" sz="1400" b="1" dirty="0"/>
+              <a:t>Bedroom Contained in the Property</a:t>
+            </a:r>
+            <a:endParaRPr lang="en-IN" sz="1400" b="1" dirty="0"/>
+          </a:p>
+        </p:txBody>
+      </p:sp>
+      <p:sp>
+        <p:nvSpPr>
+          <p:cNvPr id="74" name="TextBox 73">
+            <a:extLst>
+              <a:ext uri="{FF2B5EF4-FFF2-40B4-BE49-F238E27FC236}">
+                <a16:creationId xmlns:a16="http://schemas.microsoft.com/office/drawing/2014/main" id="{7A17464E-8C3E-5E7B-7F24-22379549923E}"/>
+              </a:ext>
+            </a:extLst>
+          </p:cNvPr>
+          <p:cNvSpPr txBox="1"/>
+          <p:nvPr/>
+        </p:nvSpPr>
+        <p:spPr>
+          <a:xfrm>
+            <a:off x="1375245" y="1001162"/>
+            <a:ext cx="1806859" cy="323165"/>
+          </a:xfrm>
+          <a:prstGeom prst="rect">
+            <a:avLst/>
+          </a:prstGeom>
+          <a:noFill/>
+        </p:spPr>
+        <p:txBody>
+          <a:bodyPr wrap="square" rtlCol="0">
+            <a:spAutoFit/>
+          </a:bodyPr>
+          <a:lstStyle/>
+          <a:p>
+            <a:r>
+              <a:rPr lang="en-US" sz="1500" b="1" dirty="0"/>
+              <a:t>Waterfront Status</a:t>
+            </a:r>
+            <a:endParaRPr lang="en-IN" sz="1500" b="1" dirty="0"/>
+          </a:p>
+        </p:txBody>
+      </p:sp>
+      <p:sp>
+        <p:nvSpPr>
+          <p:cNvPr id="75" name="TextBox 74">
+            <a:extLst>
+              <a:ext uri="{FF2B5EF4-FFF2-40B4-BE49-F238E27FC236}">
+                <a16:creationId xmlns:a16="http://schemas.microsoft.com/office/drawing/2014/main" id="{FD94F563-3274-7055-A828-25A910C41109}"/>
+              </a:ext>
+            </a:extLst>
+          </p:cNvPr>
+          <p:cNvSpPr txBox="1"/>
+          <p:nvPr/>
+        </p:nvSpPr>
+        <p:spPr>
+          <a:xfrm>
+            <a:off x="1420035" y="2532984"/>
+            <a:ext cx="1806859" cy="323165"/>
+          </a:xfrm>
+          <a:prstGeom prst="rect">
+            <a:avLst/>
+          </a:prstGeom>
+          <a:noFill/>
+        </p:spPr>
+        <p:txBody>
+          <a:bodyPr wrap="square" rtlCol="0">
+            <a:spAutoFit/>
+          </a:bodyPr>
+          <a:lstStyle/>
+          <a:p>
+            <a:r>
+              <a:rPr lang="en-US" sz="1500" b="1" dirty="0"/>
+              <a:t>Waterfront Status</a:t>
+            </a:r>
+            <a:endParaRPr lang="en-IN" sz="1500" b="1" dirty="0"/>
+          </a:p>
+        </p:txBody>
+      </p:sp>
+      <p:sp>
+        <p:nvSpPr>
+          <p:cNvPr id="76" name="TextBox 75">
+            <a:extLst>
+              <a:ext uri="{FF2B5EF4-FFF2-40B4-BE49-F238E27FC236}">
+                <a16:creationId xmlns:a16="http://schemas.microsoft.com/office/drawing/2014/main" id="{F78F02A8-E572-3F30-D5DF-93627EF892E2}"/>
+              </a:ext>
+            </a:extLst>
+          </p:cNvPr>
+          <p:cNvSpPr txBox="1"/>
+          <p:nvPr/>
+        </p:nvSpPr>
+        <p:spPr>
+          <a:xfrm>
+            <a:off x="1365647" y="4108557"/>
+            <a:ext cx="1806859" cy="323165"/>
+          </a:xfrm>
+          <a:prstGeom prst="rect">
+            <a:avLst/>
+          </a:prstGeom>
+          <a:noFill/>
+        </p:spPr>
+        <p:txBody>
+          <a:bodyPr wrap="square" rtlCol="0">
+            <a:spAutoFit/>
+          </a:bodyPr>
+          <a:lstStyle/>
+          <a:p>
+            <a:r>
+              <a:rPr lang="en-US" sz="1500" b="1" dirty="0"/>
+              <a:t>Renovation Status</a:t>
+            </a:r>
+            <a:endParaRPr lang="en-IN" sz="1500" b="1" dirty="0"/>
+          </a:p>
+        </p:txBody>
+      </p:sp>
+      <p:sp>
+        <p:nvSpPr>
+          <p:cNvPr id="77" name="TextBox 76">
+            <a:extLst>
+              <a:ext uri="{FF2B5EF4-FFF2-40B4-BE49-F238E27FC236}">
+                <a16:creationId xmlns:a16="http://schemas.microsoft.com/office/drawing/2014/main" id="{F3B713BA-BEEB-72D0-5E22-1E0C6D06E80A}"/>
+              </a:ext>
+            </a:extLst>
+          </p:cNvPr>
+          <p:cNvSpPr txBox="1"/>
+          <p:nvPr/>
+        </p:nvSpPr>
+        <p:spPr>
+          <a:xfrm>
+            <a:off x="1398924" y="5621704"/>
+            <a:ext cx="1806859" cy="323165"/>
+          </a:xfrm>
+          <a:prstGeom prst="rect">
+            <a:avLst/>
+          </a:prstGeom>
+          <a:noFill/>
+        </p:spPr>
+        <p:txBody>
+          <a:bodyPr wrap="square" rtlCol="0">
+            <a:spAutoFit/>
+          </a:bodyPr>
+          <a:lstStyle/>
+          <a:p>
+            <a:r>
+              <a:rPr lang="en-US" sz="1500" b="1" dirty="0"/>
+              <a:t>Renovation Status</a:t>
+            </a:r>
+            <a:endParaRPr lang="en-IN" sz="1500" b="1" dirty="0"/>
+          </a:p>
+        </p:txBody>
+      </p:sp>
+      <p:sp>
+        <p:nvSpPr>
+          <p:cNvPr id="81" name="Isosceles Triangle 80">
+            <a:extLst>
+              <a:ext uri="{FF2B5EF4-FFF2-40B4-BE49-F238E27FC236}">
+                <a16:creationId xmlns:a16="http://schemas.microsoft.com/office/drawing/2014/main" id="{E308A15F-32B2-F1C1-7D75-396963A5B12B}"/>
+              </a:ext>
+            </a:extLst>
+          </p:cNvPr>
+          <p:cNvSpPr/>
+          <p:nvPr/>
+        </p:nvSpPr>
+        <p:spPr>
+          <a:xfrm rot="5400000">
+            <a:off x="402607" y="3617975"/>
+            <a:ext cx="1658349" cy="134699"/>
+          </a:xfrm>
+          <a:prstGeom prst="triangle">
+            <a:avLst/>
+          </a:prstGeom>
+        </p:spPr>
+        <p:style>
+          <a:lnRef idx="2">
+            <a:schemeClr val="dk1">
+              <a:shade val="15000"/>
+            </a:schemeClr>
+          </a:lnRef>
+          <a:fillRef idx="1">
+            <a:schemeClr val="dk1"/>
+          </a:fillRef>
+          <a:effectRef idx="0">
+            <a:schemeClr val="dk1"/>
+          </a:effectRef>
+          <a:fontRef idx="minor">
+            <a:schemeClr val="lt1"/>
+          </a:fontRef>
+        </p:style>
+        <p:txBody>
+          <a:bodyPr rtlCol="0" anchor="ctr"/>
+          <a:lstStyle/>
+          <a:p>
+            <a:pPr algn="ctr"/>
+            <a:endParaRPr lang="en-IN"/>
+          </a:p>
+        </p:txBody>
+      </p:sp>
+      <p:sp>
+        <p:nvSpPr>
+          <p:cNvPr id="82" name="TextBox 81">
+            <a:extLst>
+              <a:ext uri="{FF2B5EF4-FFF2-40B4-BE49-F238E27FC236}">
+                <a16:creationId xmlns:a16="http://schemas.microsoft.com/office/drawing/2014/main" id="{047362E4-7B6F-7EE5-7710-770181AB8404}"/>
+              </a:ext>
+            </a:extLst>
+          </p:cNvPr>
+          <p:cNvSpPr txBox="1"/>
+          <p:nvPr/>
+        </p:nvSpPr>
+        <p:spPr>
+          <a:xfrm>
+            <a:off x="1397212" y="1855021"/>
+            <a:ext cx="1806859" cy="276999"/>
+          </a:xfrm>
+          <a:prstGeom prst="rect">
+            <a:avLst/>
+          </a:prstGeom>
+          <a:noFill/>
+        </p:spPr>
+        <p:txBody>
+          <a:bodyPr wrap="square" rtlCol="0">
+            <a:spAutoFit/>
+          </a:bodyPr>
+          <a:lstStyle/>
+          <a:p>
+            <a:pPr algn="ctr"/>
+            <a:r>
+              <a:rPr lang="en-US" sz="1200" b="1" dirty="0">
+                <a:solidFill>
+                  <a:schemeClr val="tx2">
+                    <a:lumMod val="75000"/>
+                    <a:lumOff val="25000"/>
+                  </a:schemeClr>
+                </a:solidFill>
+              </a:rPr>
+              <a:t>Has Waterfront Yes</a:t>
+            </a:r>
+            <a:endParaRPr lang="en-IN" sz="1200" b="1" dirty="0">
+              <a:solidFill>
+                <a:schemeClr val="tx2">
+                  <a:lumMod val="75000"/>
+                  <a:lumOff val="25000"/>
+                </a:schemeClr>
+              </a:solidFill>
+            </a:endParaRPr>
+          </a:p>
+        </p:txBody>
+      </p:sp>
+      <p:sp>
+        <p:nvSpPr>
+          <p:cNvPr id="85" name="TextBox 84">
+            <a:extLst>
+              <a:ext uri="{FF2B5EF4-FFF2-40B4-BE49-F238E27FC236}">
+                <a16:creationId xmlns:a16="http://schemas.microsoft.com/office/drawing/2014/main" id="{0F8BD947-E943-9BD0-F12E-91BF247DC516}"/>
+              </a:ext>
+            </a:extLst>
+          </p:cNvPr>
+          <p:cNvSpPr txBox="1"/>
+          <p:nvPr/>
+        </p:nvSpPr>
+        <p:spPr>
+          <a:xfrm>
+            <a:off x="1375245" y="3456540"/>
+            <a:ext cx="1806859" cy="276999"/>
+          </a:xfrm>
+          <a:prstGeom prst="rect">
+            <a:avLst/>
+          </a:prstGeom>
+          <a:noFill/>
+        </p:spPr>
+        <p:txBody>
+          <a:bodyPr wrap="square" rtlCol="0">
+            <a:spAutoFit/>
+          </a:bodyPr>
+          <a:lstStyle/>
+          <a:p>
+            <a:pPr algn="ctr"/>
+            <a:r>
+              <a:rPr lang="en-US" sz="1200" b="1" dirty="0">
+                <a:solidFill>
+                  <a:schemeClr val="tx2">
+                    <a:lumMod val="75000"/>
+                    <a:lumOff val="25000"/>
+                  </a:schemeClr>
+                </a:solidFill>
+              </a:rPr>
+              <a:t>Has Waterfront No</a:t>
+            </a:r>
+            <a:endParaRPr lang="en-IN" sz="1200" b="1" dirty="0">
+              <a:solidFill>
+                <a:schemeClr val="tx2">
+                  <a:lumMod val="75000"/>
+                  <a:lumOff val="25000"/>
+                </a:schemeClr>
+              </a:solidFill>
+            </a:endParaRPr>
+          </a:p>
+        </p:txBody>
+      </p:sp>
+      <p:sp>
+        <p:nvSpPr>
+          <p:cNvPr id="2" name="Rectangle: Rounded Corners 1">
+            <a:extLst>
+              <a:ext uri="{FF2B5EF4-FFF2-40B4-BE49-F238E27FC236}">
+                <a16:creationId xmlns:a16="http://schemas.microsoft.com/office/drawing/2014/main" id="{42C89C84-7327-C0E0-3D2F-7D596708D34E}"/>
+              </a:ext>
+            </a:extLst>
+          </p:cNvPr>
+          <p:cNvSpPr/>
+          <p:nvPr/>
+        </p:nvSpPr>
+        <p:spPr>
+          <a:xfrm>
+            <a:off x="18475" y="2707103"/>
+            <a:ext cx="1138740" cy="2069463"/>
+          </a:xfrm>
+          <a:prstGeom prst="roundRect">
+            <a:avLst/>
+          </a:prstGeom>
+        </p:spPr>
+        <p:style>
+          <a:lnRef idx="1">
+            <a:schemeClr val="accent1"/>
+          </a:lnRef>
+          <a:fillRef idx="2">
+            <a:schemeClr val="accent1"/>
+          </a:fillRef>
+          <a:effectRef idx="1">
+            <a:schemeClr val="accent1"/>
+          </a:effectRef>
+          <a:fontRef idx="minor">
+            <a:schemeClr val="dk1"/>
+          </a:fontRef>
+        </p:style>
+        <p:txBody>
+          <a:bodyPr rtlCol="0" anchor="ctr"/>
+          <a:lstStyle/>
+          <a:p>
+            <a:pPr algn="ctr"/>
+            <a:endParaRPr lang="en-IN" sz="1547" dirty="0"/>
+          </a:p>
+        </p:txBody>
+      </p:sp>
+      <p:pic>
+        <p:nvPicPr>
+          <p:cNvPr id="3" name="Graphic 2" descr="Eye with solid fill">
+            <a:extLst>
+              <a:ext uri="{FF2B5EF4-FFF2-40B4-BE49-F238E27FC236}">
+                <a16:creationId xmlns:a16="http://schemas.microsoft.com/office/drawing/2014/main" id="{C6E7FE2A-EB16-6564-75A2-3F6297E7EE8A}"/>
+              </a:ext>
+            </a:extLst>
+          </p:cNvPr>
+          <p:cNvPicPr>
+            <a:picLocks noChangeAspect="1"/>
+          </p:cNvPicPr>
+          <p:nvPr/>
+        </p:nvPicPr>
+        <p:blipFill>
+          <a:blip r:embed="rId10">
+            <a:extLst>
+              <a:ext uri="{96DAC541-7B7A-43D3-8B79-37D633B846F1}">
+                <asvg:svgBlip xmlns:asvg="http://schemas.microsoft.com/office/drawing/2016/SVG/main" r:embed="rId11"/>
+              </a:ext>
+            </a:extLst>
+          </a:blip>
+          <a:stretch>
+            <a:fillRect/>
+          </a:stretch>
+        </p:blipFill>
+        <p:spPr>
+          <a:xfrm>
+            <a:off x="18074" y="3367116"/>
+            <a:ext cx="1145663" cy="1038805"/>
+          </a:xfrm>
+          <a:prstGeom prst="rect">
+            <a:avLst/>
+          </a:prstGeom>
+        </p:spPr>
+      </p:pic>
+      <p:sp>
+        <p:nvSpPr>
+          <p:cNvPr id="9" name="TextBox 8">
+            <a:extLst>
+              <a:ext uri="{FF2B5EF4-FFF2-40B4-BE49-F238E27FC236}">
+                <a16:creationId xmlns:a16="http://schemas.microsoft.com/office/drawing/2014/main" id="{E44203E8-D016-00F6-7F64-CE28A7680061}"/>
+              </a:ext>
+            </a:extLst>
+          </p:cNvPr>
+          <p:cNvSpPr txBox="1"/>
+          <p:nvPr/>
+        </p:nvSpPr>
+        <p:spPr>
+          <a:xfrm>
+            <a:off x="80907" y="2871904"/>
+            <a:ext cx="1103445" cy="330411"/>
+          </a:xfrm>
+          <a:prstGeom prst="rect">
+            <a:avLst/>
+          </a:prstGeom>
+          <a:noFill/>
+        </p:spPr>
+        <p:txBody>
+          <a:bodyPr wrap="square" rtlCol="0">
+            <a:spAutoFit/>
+          </a:bodyPr>
+          <a:lstStyle/>
+          <a:p>
+            <a:r>
+              <a:rPr lang="en-US" sz="1547" b="1" dirty="0"/>
+              <a:t>Overview</a:t>
+            </a:r>
+            <a:endParaRPr lang="en-IN" sz="1547" b="1" dirty="0"/>
+          </a:p>
+        </p:txBody>
+      </p:sp>
+      <p:sp>
+        <p:nvSpPr>
+          <p:cNvPr id="11" name="Rectangle 10">
+            <a:extLst>
+              <a:ext uri="{FF2B5EF4-FFF2-40B4-BE49-F238E27FC236}">
+                <a16:creationId xmlns:a16="http://schemas.microsoft.com/office/drawing/2014/main" id="{935FCBC9-BE83-EC09-3BCB-377703F11151}"/>
+              </a:ext>
+            </a:extLst>
+          </p:cNvPr>
+          <p:cNvSpPr/>
+          <p:nvPr/>
+        </p:nvSpPr>
+        <p:spPr>
+          <a:xfrm>
+            <a:off x="8156433" y="1433124"/>
+            <a:ext cx="1363249" cy="1233442"/>
+          </a:xfrm>
+          <a:prstGeom prst="rect">
+            <a:avLst/>
+          </a:prstGeom>
+          <a:solidFill>
+            <a:schemeClr val="bg1">
+              <a:lumMod val="95000"/>
+            </a:schemeClr>
+          </a:solidFill>
+          <a:ln>
+            <a:noFill/>
+          </a:ln>
+        </p:spPr>
+        <p:style>
+          <a:lnRef idx="2">
+            <a:schemeClr val="accent1">
+              <a:shade val="15000"/>
+            </a:schemeClr>
+          </a:lnRef>
+          <a:fillRef idx="1">
+            <a:schemeClr val="accent1"/>
+          </a:fillRef>
+          <a:effectRef idx="0">
+            <a:schemeClr val="accent1"/>
+          </a:effectRef>
+          <a:fontRef idx="minor">
+            <a:schemeClr val="lt1"/>
+          </a:fontRef>
+        </p:style>
+        <p:txBody>
+          <a:bodyPr rtlCol="0" anchor="ctr"/>
+          <a:lstStyle/>
+          <a:p>
+            <a:pPr algn="ctr"/>
+            <a:endParaRPr lang="en-IN" sz="1547" dirty="0"/>
+          </a:p>
+        </p:txBody>
+      </p:sp>
+      <p:sp>
+        <p:nvSpPr>
+          <p:cNvPr id="10" name="Rectangle 9">
+            <a:extLst>
+              <a:ext uri="{FF2B5EF4-FFF2-40B4-BE49-F238E27FC236}">
+                <a16:creationId xmlns:a16="http://schemas.microsoft.com/office/drawing/2014/main" id="{59A086FB-9EBD-5257-A68E-DC948AF5ACF5}"/>
+              </a:ext>
+            </a:extLst>
+          </p:cNvPr>
+          <p:cNvSpPr/>
+          <p:nvPr/>
+        </p:nvSpPr>
+        <p:spPr>
+          <a:xfrm>
+            <a:off x="6734585" y="2704679"/>
+            <a:ext cx="1373641" cy="1232630"/>
+          </a:xfrm>
+          <a:prstGeom prst="rect">
+            <a:avLst/>
+          </a:prstGeom>
+          <a:solidFill>
+            <a:schemeClr val="bg1">
+              <a:lumMod val="95000"/>
+            </a:schemeClr>
+          </a:solidFill>
+          <a:ln>
+            <a:noFill/>
+          </a:ln>
+        </p:spPr>
+        <p:style>
+          <a:lnRef idx="2">
+            <a:schemeClr val="accent1">
+              <a:shade val="15000"/>
+            </a:schemeClr>
+          </a:lnRef>
+          <a:fillRef idx="1">
+            <a:schemeClr val="accent1"/>
+          </a:fillRef>
+          <a:effectRef idx="0">
+            <a:schemeClr val="accent1"/>
+          </a:effectRef>
+          <a:fontRef idx="minor">
+            <a:schemeClr val="lt1"/>
+          </a:fontRef>
+        </p:style>
+        <p:txBody>
+          <a:bodyPr rtlCol="0" anchor="ctr"/>
+          <a:lstStyle/>
+          <a:p>
+            <a:pPr algn="ctr"/>
+            <a:endParaRPr lang="en-IN" sz="1547" dirty="0"/>
+          </a:p>
+        </p:txBody>
+      </p:sp>
+      <p:sp>
+        <p:nvSpPr>
+          <p:cNvPr id="13" name="Rectangle 12">
+            <a:extLst>
+              <a:ext uri="{FF2B5EF4-FFF2-40B4-BE49-F238E27FC236}">
+                <a16:creationId xmlns:a16="http://schemas.microsoft.com/office/drawing/2014/main" id="{C620D0FB-46ED-84D9-49BF-9A31D3EC7996}"/>
+              </a:ext>
+            </a:extLst>
+          </p:cNvPr>
+          <p:cNvSpPr/>
+          <p:nvPr/>
+        </p:nvSpPr>
+        <p:spPr>
+          <a:xfrm>
+            <a:off x="9567889" y="1429025"/>
+            <a:ext cx="1363249" cy="1232631"/>
+          </a:xfrm>
+          <a:prstGeom prst="rect">
+            <a:avLst/>
+          </a:prstGeom>
+          <a:solidFill>
+            <a:schemeClr val="bg1">
+              <a:lumMod val="95000"/>
+            </a:schemeClr>
+          </a:solidFill>
+          <a:ln>
+            <a:noFill/>
+          </a:ln>
+        </p:spPr>
+        <p:style>
+          <a:lnRef idx="2">
+            <a:schemeClr val="accent1">
+              <a:shade val="15000"/>
+            </a:schemeClr>
+          </a:lnRef>
+          <a:fillRef idx="1">
+            <a:schemeClr val="accent1"/>
+          </a:fillRef>
+          <a:effectRef idx="0">
+            <a:schemeClr val="accent1"/>
+          </a:effectRef>
+          <a:fontRef idx="minor">
+            <a:schemeClr val="lt1"/>
+          </a:fontRef>
+        </p:style>
+        <p:txBody>
+          <a:bodyPr rtlCol="0" anchor="ctr"/>
+          <a:lstStyle/>
+          <a:p>
+            <a:pPr algn="ctr"/>
+            <a:endParaRPr lang="en-IN" sz="1547" dirty="0"/>
+          </a:p>
+        </p:txBody>
+      </p:sp>
+      <p:sp>
+        <p:nvSpPr>
+          <p:cNvPr id="12" name="Rectangle 11">
+            <a:extLst>
+              <a:ext uri="{FF2B5EF4-FFF2-40B4-BE49-F238E27FC236}">
+                <a16:creationId xmlns:a16="http://schemas.microsoft.com/office/drawing/2014/main" id="{9D44D59E-A4D3-AF4D-7BF9-08FC17B48916}"/>
+              </a:ext>
+            </a:extLst>
+          </p:cNvPr>
+          <p:cNvSpPr/>
+          <p:nvPr/>
+        </p:nvSpPr>
+        <p:spPr>
+          <a:xfrm>
+            <a:off x="8139172" y="2704679"/>
+            <a:ext cx="1373641" cy="1232630"/>
+          </a:xfrm>
+          <a:prstGeom prst="rect">
+            <a:avLst/>
+          </a:prstGeom>
+          <a:solidFill>
+            <a:schemeClr val="bg1">
+              <a:lumMod val="95000"/>
+            </a:schemeClr>
+          </a:solidFill>
+          <a:ln>
+            <a:noFill/>
+          </a:ln>
+        </p:spPr>
+        <p:style>
+          <a:lnRef idx="2">
+            <a:schemeClr val="accent1">
+              <a:shade val="15000"/>
+            </a:schemeClr>
+          </a:lnRef>
+          <a:fillRef idx="1">
+            <a:schemeClr val="accent1"/>
+          </a:fillRef>
+          <a:effectRef idx="0">
+            <a:schemeClr val="accent1"/>
+          </a:effectRef>
+          <a:fontRef idx="minor">
+            <a:schemeClr val="lt1"/>
+          </a:fontRef>
+        </p:style>
+        <p:txBody>
+          <a:bodyPr rtlCol="0" anchor="ctr"/>
+          <a:lstStyle/>
+          <a:p>
+            <a:pPr algn="ctr"/>
+            <a:endParaRPr lang="en-IN" sz="1547" dirty="0"/>
+          </a:p>
+        </p:txBody>
+      </p:sp>
+      <p:sp>
+        <p:nvSpPr>
+          <p:cNvPr id="16" name="Rectangle 15">
+            <a:extLst>
+              <a:ext uri="{FF2B5EF4-FFF2-40B4-BE49-F238E27FC236}">
+                <a16:creationId xmlns:a16="http://schemas.microsoft.com/office/drawing/2014/main" id="{84899873-5CFD-89F6-9816-BB99959BB13E}"/>
+              </a:ext>
+            </a:extLst>
+          </p:cNvPr>
+          <p:cNvSpPr/>
+          <p:nvPr/>
+        </p:nvSpPr>
+        <p:spPr>
+          <a:xfrm>
+            <a:off x="9568815" y="2704679"/>
+            <a:ext cx="1355099" cy="1232630"/>
+          </a:xfrm>
+          <a:prstGeom prst="rect">
+            <a:avLst/>
+          </a:prstGeom>
+          <a:solidFill>
+            <a:schemeClr val="bg1">
+              <a:lumMod val="95000"/>
+            </a:schemeClr>
+          </a:solidFill>
+          <a:ln>
+            <a:noFill/>
+          </a:ln>
+        </p:spPr>
+        <p:style>
+          <a:lnRef idx="2">
+            <a:schemeClr val="accent1">
+              <a:shade val="15000"/>
+            </a:schemeClr>
+          </a:lnRef>
+          <a:fillRef idx="1">
+            <a:schemeClr val="accent1"/>
+          </a:fillRef>
+          <a:effectRef idx="0">
+            <a:schemeClr val="accent1"/>
+          </a:effectRef>
+          <a:fontRef idx="minor">
+            <a:schemeClr val="lt1"/>
+          </a:fontRef>
+        </p:style>
+        <p:txBody>
+          <a:bodyPr rtlCol="0" anchor="ctr"/>
+          <a:lstStyle/>
+          <a:p>
+            <a:pPr algn="ctr"/>
+            <a:endParaRPr lang="en-IN" sz="1547" dirty="0"/>
+          </a:p>
+        </p:txBody>
+      </p:sp>
+      <p:pic>
+        <p:nvPicPr>
+          <p:cNvPr id="17" name="Picture 16" descr="A black and white logo of a house with a leaf&#10;&#10;Description automatically generated">
             <a:extLst>
               <a:ext uri="{FF2B5EF4-FFF2-40B4-BE49-F238E27FC236}">
                 <a16:creationId xmlns:a16="http://schemas.microsoft.com/office/drawing/2014/main" id="{DFBA6822-30F1-9724-C0F5-176C5083154D}"/>
@@ -4551,8 +4938,8 @@
         </p:blipFill>
         <p:spPr>
           <a:xfrm>
-            <a:off x="8364317" y="1751250"/>
-            <a:ext cx="766116" cy="648571"/>
+            <a:off x="8591480" y="1464574"/>
+            <a:ext cx="387330" cy="327902"/>
           </a:xfrm>
           <a:prstGeom prst="rect">
             <a:avLst/>
@@ -4561,10 +4948,10 @@
       </p:pic>
       <p:pic>
         <p:nvPicPr>
-          <p:cNvPr id="61" name="Graphic 60" descr="House outline">
-            <a:extLst>
-              <a:ext uri="{FF2B5EF4-FFF2-40B4-BE49-F238E27FC236}">
-                <a16:creationId xmlns:a16="http://schemas.microsoft.com/office/drawing/2014/main" id="{30E0E30D-3814-18F9-659C-F11DC9875A7E}"/>
+          <p:cNvPr id="18" name="Graphic 17" descr="Checkmark with solid fill">
+            <a:extLst>
+              <a:ext uri="{FF2B5EF4-FFF2-40B4-BE49-F238E27FC236}">
+                <a16:creationId xmlns:a16="http://schemas.microsoft.com/office/drawing/2014/main" id="{A6033FC6-89A0-F0F6-C52A-4E7E2DB24440}"/>
               </a:ext>
             </a:extLst>
           </p:cNvPr>
@@ -4574,10 +4961,10 @@
           <p:nvPr/>
         </p:nvPicPr>
         <p:blipFill>
-          <a:blip r:embed="rId14">
+          <a:blip r:embed="rId8">
             <a:extLst>
               <a:ext uri="{96DAC541-7B7A-43D3-8B79-37D633B846F1}">
-                <asvg:svgBlip xmlns:asvg="http://schemas.microsoft.com/office/drawing/2016/SVG/main" r:embed="rId15"/>
+                <asvg:svgBlip xmlns:asvg="http://schemas.microsoft.com/office/drawing/2016/SVG/main" r:embed="rId9"/>
               </a:ext>
             </a:extLst>
           </a:blip>
@@ -4587,20 +4974,57 @@
         </p:blipFill>
         <p:spPr>
           <a:xfrm>
-            <a:off x="9849263" y="1681724"/>
-            <a:ext cx="731029" cy="731029"/>
+            <a:off x="8477646" y="1437581"/>
+            <a:ext cx="194614" cy="194614"/>
           </a:xfrm>
           <a:prstGeom prst="rect">
             <a:avLst/>
           </a:prstGeom>
         </p:spPr>
       </p:pic>
+      <p:sp>
+        <p:nvSpPr>
+          <p:cNvPr id="19" name="TextBox 18">
+            <a:extLst>
+              <a:ext uri="{FF2B5EF4-FFF2-40B4-BE49-F238E27FC236}">
+                <a16:creationId xmlns:a16="http://schemas.microsoft.com/office/drawing/2014/main" id="{CF1D6D61-1371-8919-12E2-F667FB569404}"/>
+              </a:ext>
+            </a:extLst>
+          </p:cNvPr>
+          <p:cNvSpPr txBox="1"/>
+          <p:nvPr/>
+        </p:nvSpPr>
+        <p:spPr>
+          <a:xfrm>
+            <a:off x="8197206" y="1771586"/>
+            <a:ext cx="1329345" cy="276999"/>
+          </a:xfrm>
+          <a:prstGeom prst="rect">
+            <a:avLst/>
+          </a:prstGeom>
+          <a:noFill/>
+        </p:spPr>
+        <p:txBody>
+          <a:bodyPr wrap="square" rtlCol="0">
+            <a:spAutoFit/>
+          </a:bodyPr>
+          <a:lstStyle/>
+          <a:p>
+            <a:pPr algn="ctr"/>
+            <a:r>
+              <a:rPr lang="en-US" sz="1200" b="1" dirty="0"/>
+              <a:t>Good</a:t>
+            </a:r>
+            <a:endParaRPr lang="en-IN" sz="1200" b="1" dirty="0"/>
+          </a:p>
+        </p:txBody>
+      </p:sp>
       <p:pic>
         <p:nvPicPr>
-          <p:cNvPr id="63" name="Graphic 62" descr="Checkmark with solid fill">
-            <a:extLst>
-              <a:ext uri="{FF2B5EF4-FFF2-40B4-BE49-F238E27FC236}">
-                <a16:creationId xmlns:a16="http://schemas.microsoft.com/office/drawing/2014/main" id="{FD1415E5-7389-82C7-147B-C1E0F85A20CB}"/>
+          <p:cNvPr id="20" name="Graphic 19" descr="House outline">
+            <a:extLst>
+              <a:ext uri="{FF2B5EF4-FFF2-40B4-BE49-F238E27FC236}">
+                <a16:creationId xmlns:a16="http://schemas.microsoft.com/office/drawing/2014/main" id="{30E0E30D-3814-18F9-659C-F11DC9875A7E}"/>
               </a:ext>
             </a:extLst>
           </p:cNvPr>
@@ -4610,10 +5034,10 @@
           <p:nvPr/>
         </p:nvPicPr>
         <p:blipFill>
-          <a:blip r:embed="rId16">
+          <a:blip r:embed="rId14">
             <a:extLst>
               <a:ext uri="{96DAC541-7B7A-43D3-8B79-37D633B846F1}">
-                <asvg:svgBlip xmlns:asvg="http://schemas.microsoft.com/office/drawing/2016/SVG/main" r:embed="rId17"/>
+                <asvg:svgBlip xmlns:asvg="http://schemas.microsoft.com/office/drawing/2016/SVG/main" r:embed="rId15"/>
               </a:ext>
             </a:extLst>
           </a:blip>
@@ -4623,8 +5047,8 @@
         </p:blipFill>
         <p:spPr>
           <a:xfrm>
-            <a:off x="6900824" y="1744542"/>
-            <a:ext cx="287499" cy="287499"/>
+            <a:off x="10075664" y="1468632"/>
+            <a:ext cx="345194" cy="345194"/>
           </a:xfrm>
           <a:prstGeom prst="rect">
             <a:avLst/>
@@ -4633,10 +5057,10 @@
       </p:pic>
       <p:pic>
         <p:nvPicPr>
-          <p:cNvPr id="64" name="Graphic 63" descr="Checkmark with solid fill">
-            <a:extLst>
-              <a:ext uri="{FF2B5EF4-FFF2-40B4-BE49-F238E27FC236}">
-                <a16:creationId xmlns:a16="http://schemas.microsoft.com/office/drawing/2014/main" id="{A6033FC6-89A0-F0F6-C52A-4E7E2DB24440}"/>
+          <p:cNvPr id="21" name="Graphic 20" descr="Close with solid fill">
+            <a:extLst>
+              <a:ext uri="{FF2B5EF4-FFF2-40B4-BE49-F238E27FC236}">
+                <a16:creationId xmlns:a16="http://schemas.microsoft.com/office/drawing/2014/main" id="{A787EB0F-CA2F-5AFC-450C-09FFC982569A}"/>
               </a:ext>
             </a:extLst>
           </p:cNvPr>
@@ -4659,56 +5083,20 @@
         </p:blipFill>
         <p:spPr>
           <a:xfrm>
-            <a:off x="8283032" y="1753423"/>
-            <a:ext cx="287499" cy="287499"/>
+            <a:off x="9943372" y="1410532"/>
+            <a:ext cx="216378" cy="216378"/>
           </a:xfrm>
           <a:prstGeom prst="rect">
             <a:avLst/>
           </a:prstGeom>
         </p:spPr>
       </p:pic>
-      <p:pic>
-        <p:nvPicPr>
-          <p:cNvPr id="66" name="Graphic 65" descr="Close with solid fill">
-            <a:extLst>
-              <a:ext uri="{FF2B5EF4-FFF2-40B4-BE49-F238E27FC236}">
-                <a16:creationId xmlns:a16="http://schemas.microsoft.com/office/drawing/2014/main" id="{A787EB0F-CA2F-5AFC-450C-09FFC982569A}"/>
-              </a:ext>
-            </a:extLst>
-          </p:cNvPr>
-          <p:cNvPicPr>
-            <a:picLocks noChangeAspect="1"/>
-          </p:cNvPicPr>
-          <p:nvPr/>
-        </p:nvPicPr>
-        <p:blipFill>
-          <a:blip r:embed="rId18">
-            <a:extLst>
-              <a:ext uri="{96DAC541-7B7A-43D3-8B79-37D633B846F1}">
-                <asvg:svgBlip xmlns:asvg="http://schemas.microsoft.com/office/drawing/2016/SVG/main" r:embed="rId19"/>
-              </a:ext>
-            </a:extLst>
-          </a:blip>
-          <a:stretch>
-            <a:fillRect/>
-          </a:stretch>
-        </p:blipFill>
-        <p:spPr>
-          <a:xfrm>
-            <a:off x="9699274" y="1755071"/>
-            <a:ext cx="299977" cy="299977"/>
-          </a:xfrm>
-          <a:prstGeom prst="rect">
-            <a:avLst/>
-          </a:prstGeom>
-        </p:spPr>
-      </p:pic>
-      <p:sp>
-        <p:nvSpPr>
-          <p:cNvPr id="67" name="TextBox 66">
-            <a:extLst>
-              <a:ext uri="{FF2B5EF4-FFF2-40B4-BE49-F238E27FC236}">
-                <a16:creationId xmlns:a16="http://schemas.microsoft.com/office/drawing/2014/main" id="{C5FCDA2A-14FA-A881-479C-1D7B164E88AE}"/>
+      <p:sp>
+        <p:nvSpPr>
+          <p:cNvPr id="22" name="TextBox 21">
+            <a:extLst>
+              <a:ext uri="{FF2B5EF4-FFF2-40B4-BE49-F238E27FC236}">
+                <a16:creationId xmlns:a16="http://schemas.microsoft.com/office/drawing/2014/main" id="{B6D423C6-83D8-A4D0-C077-9711F7C6011F}"/>
               </a:ext>
             </a:extLst>
           </p:cNvPr>
@@ -4717,8 +5105,8 @@
         </p:nvSpPr>
         <p:spPr>
           <a:xfrm>
-            <a:off x="6778881" y="2399821"/>
-            <a:ext cx="1329345" cy="338554"/>
+            <a:off x="9561020" y="1771177"/>
+            <a:ext cx="1329345" cy="276999"/>
           </a:xfrm>
           <a:prstGeom prst="rect">
             <a:avLst/>
@@ -4733,19 +5121,58 @@
           <a:p>
             <a:pPr algn="ctr"/>
             <a:r>
-              <a:rPr lang="en-US" sz="1600" b="1" dirty="0">
+              <a:rPr lang="en-US" sz="1200" b="1" dirty="0"/>
+              <a:t>Bad</a:t>
+            </a:r>
+            <a:endParaRPr lang="en-IN" sz="1200" b="1" dirty="0"/>
+          </a:p>
+        </p:txBody>
+      </p:sp>
+      <p:sp>
+        <p:nvSpPr>
+          <p:cNvPr id="23" name="TextBox 22">
+            <a:extLst>
+              <a:ext uri="{FF2B5EF4-FFF2-40B4-BE49-F238E27FC236}">
+                <a16:creationId xmlns:a16="http://schemas.microsoft.com/office/drawing/2014/main" id="{25E5B497-88FA-A26C-58B7-C00CF8DADD56}"/>
+              </a:ext>
+            </a:extLst>
+          </p:cNvPr>
+          <p:cNvSpPr txBox="1"/>
+          <p:nvPr/>
+        </p:nvSpPr>
+        <p:spPr>
+          <a:xfrm>
+            <a:off x="1389708" y="5304662"/>
+            <a:ext cx="1806859" cy="276999"/>
+          </a:xfrm>
+          <a:prstGeom prst="rect">
+            <a:avLst/>
+          </a:prstGeom>
+          <a:noFill/>
+        </p:spPr>
+        <p:txBody>
+          <a:bodyPr wrap="square" rtlCol="0">
+            <a:spAutoFit/>
+          </a:bodyPr>
+          <a:lstStyle/>
+          <a:p>
+            <a:pPr algn="ctr"/>
+            <a:r>
+              <a:rPr lang="en-US" sz="1200" b="1" dirty="0">
                 <a:solidFill>
-                  <a:schemeClr val="bg1">
-                    <a:lumMod val="50000"/>
+                  <a:schemeClr val="tx2">
+                    <a:lumMod val="75000"/>
+                    <a:lumOff val="25000"/>
                   </a:schemeClr>
                 </a:solidFill>
               </a:rPr>
-              <a:t>Very Good</a:t>
-            </a:r>
-            <a:endParaRPr lang="en-IN" sz="1600" b="1" dirty="0">
+              <a:t>Has Renovated Yes</a:t>
+            </a:r>
+            <a:endParaRPr lang="en-IN" sz="1200" b="1" dirty="0">
               <a:solidFill>
-                <a:schemeClr val="bg1">
-                  <a:lumMod val="50000"/>
+                <a:schemeClr val="tx2">
+                  <a:lumMod val="75000"/>
+                  <a:lumOff val="25000"/>
                 </a:schemeClr>
               </a:solidFill>
             </a:endParaRPr>
@@ -4754,10 +5181,10 @@
       </p:sp>
       <p:sp>
         <p:nvSpPr>
-          <p:cNvPr id="68" name="TextBox 67">
-            <a:extLst>
-              <a:ext uri="{FF2B5EF4-FFF2-40B4-BE49-F238E27FC236}">
-                <a16:creationId xmlns:a16="http://schemas.microsoft.com/office/drawing/2014/main" id="{CF1D6D61-1371-8919-12E2-F667FB569404}"/>
+          <p:cNvPr id="24" name="TextBox 23">
+            <a:extLst>
+              <a:ext uri="{FF2B5EF4-FFF2-40B4-BE49-F238E27FC236}">
+                <a16:creationId xmlns:a16="http://schemas.microsoft.com/office/drawing/2014/main" id="{44F93F4B-80DC-2CED-8B46-A9FE8307693F}"/>
               </a:ext>
             </a:extLst>
           </p:cNvPr>
@@ -4766,8 +5193,8 @@
         </p:nvSpPr>
         <p:spPr>
           <a:xfrm>
-            <a:off x="8139193" y="2399821"/>
-            <a:ext cx="1329345" cy="338554"/>
+            <a:off x="1323192" y="6875785"/>
+            <a:ext cx="1806859" cy="276999"/>
           </a:xfrm>
           <a:prstGeom prst="rect">
             <a:avLst/>
@@ -4782,19 +5209,21 @@
           <a:p>
             <a:pPr algn="ctr"/>
             <a:r>
-              <a:rPr lang="en-US" sz="1600" b="1" dirty="0">
+              <a:rPr lang="en-US" sz="1200" b="1" dirty="0">
                 <a:solidFill>
-                  <a:schemeClr val="bg1">
-                    <a:lumMod val="50000"/>
+                  <a:schemeClr val="tx2">
+                    <a:lumMod val="75000"/>
+                    <a:lumOff val="25000"/>
                   </a:schemeClr>
                 </a:solidFill>
               </a:rPr>
-              <a:t>Good</a:t>
-            </a:r>
-            <a:endParaRPr lang="en-IN" sz="1600" b="1" dirty="0">
+              <a:t>Has Renovated No</a:t>
+            </a:r>
+            <a:endParaRPr lang="en-IN" sz="1200" b="1" dirty="0">
               <a:solidFill>
-                <a:schemeClr val="bg1">
-                  <a:lumMod val="50000"/>
+                <a:schemeClr val="tx2">
+                  <a:lumMod val="75000"/>
+                  <a:lumOff val="25000"/>
                 </a:schemeClr>
               </a:solidFill>
             </a:endParaRPr>
@@ -4803,10 +5232,10 @@
       </p:sp>
       <p:sp>
         <p:nvSpPr>
-          <p:cNvPr id="69" name="TextBox 68">
-            <a:extLst>
-              <a:ext uri="{FF2B5EF4-FFF2-40B4-BE49-F238E27FC236}">
-                <a16:creationId xmlns:a16="http://schemas.microsoft.com/office/drawing/2014/main" id="{B6D423C6-83D8-A4D0-C077-9711F7C6011F}"/>
+          <p:cNvPr id="25" name="TextBox 24">
+            <a:extLst>
+              <a:ext uri="{FF2B5EF4-FFF2-40B4-BE49-F238E27FC236}">
+                <a16:creationId xmlns:a16="http://schemas.microsoft.com/office/drawing/2014/main" id="{D918C2A9-84B7-FAAD-13B7-989D0BEBC0C4}"/>
               </a:ext>
             </a:extLst>
           </p:cNvPr>
@@ -4815,8 +5244,8 @@
         </p:nvSpPr>
         <p:spPr>
           <a:xfrm>
-            <a:off x="9571719" y="2438178"/>
-            <a:ext cx="1329345" cy="338554"/>
+            <a:off x="6771725" y="2728640"/>
+            <a:ext cx="1329345" cy="461665"/>
           </a:xfrm>
           <a:prstGeom prst="rect">
             <a:avLst/>
@@ -4831,31 +5260,19 @@
           <a:p>
             <a:pPr algn="ctr"/>
             <a:r>
-              <a:rPr lang="en-US" sz="1600" b="1" dirty="0">
-                <a:solidFill>
-                  <a:schemeClr val="bg1">
-                    <a:lumMod val="50000"/>
-                  </a:schemeClr>
-                </a:solidFill>
-              </a:rPr>
-              <a:t>Bad</a:t>
-            </a:r>
-            <a:endParaRPr lang="en-IN" sz="1600" b="1" dirty="0">
-              <a:solidFill>
-                <a:schemeClr val="bg1">
-                  <a:lumMod val="50000"/>
-                </a:schemeClr>
-              </a:solidFill>
-            </a:endParaRPr>
-          </a:p>
-        </p:txBody>
-      </p:sp>
-      <p:sp>
-        <p:nvSpPr>
-          <p:cNvPr id="70" name="TextBox 69">
-            <a:extLst>
-              <a:ext uri="{FF2B5EF4-FFF2-40B4-BE49-F238E27FC236}">
-                <a16:creationId xmlns:a16="http://schemas.microsoft.com/office/drawing/2014/main" id="{08C238DB-A953-BB78-A85D-B3E0F79156D7}"/>
+              <a:rPr lang="en-US" sz="1200" b="1" dirty="0"/>
+              <a:t>Very Good after Renovation</a:t>
+            </a:r>
+            <a:endParaRPr lang="en-IN" sz="1200" b="1" dirty="0"/>
+          </a:p>
+        </p:txBody>
+      </p:sp>
+      <p:sp>
+        <p:nvSpPr>
+          <p:cNvPr id="26" name="TextBox 25">
+            <a:extLst>
+              <a:ext uri="{FF2B5EF4-FFF2-40B4-BE49-F238E27FC236}">
+                <a16:creationId xmlns:a16="http://schemas.microsoft.com/office/drawing/2014/main" id="{D1F49AB8-B0B6-5EC4-C0AF-C87C3B4830FB}"/>
               </a:ext>
             </a:extLst>
           </p:cNvPr>
@@ -4864,8 +5281,8 @@
         </p:nvSpPr>
         <p:spPr>
           <a:xfrm>
-            <a:off x="6701472" y="1018203"/>
-            <a:ext cx="4276582" cy="338554"/>
+            <a:off x="8139172" y="2725595"/>
+            <a:ext cx="1329345" cy="461665"/>
           </a:xfrm>
           <a:prstGeom prst="rect">
             <a:avLst/>
@@ -4878,32 +5295,21 @@
           </a:bodyPr>
           <a:lstStyle/>
           <a:p>
-            <a:r>
-              <a:rPr lang="en-US" sz="1600" b="1" dirty="0">
-                <a:solidFill>
-                  <a:schemeClr val="bg1">
-                    <a:lumMod val="50000"/>
-                  </a:schemeClr>
-                </a:solidFill>
-              </a:rPr>
-              <a:t>Condition Status wise Properties</a:t>
-            </a:r>
-            <a:endParaRPr lang="en-IN" sz="1600" b="1" dirty="0">
-              <a:solidFill>
-                <a:schemeClr val="bg1">
-                  <a:lumMod val="50000"/>
-                </a:schemeClr>
-              </a:solidFill>
-            </a:endParaRPr>
-          </a:p>
-        </p:txBody>
-      </p:sp>
-      <p:sp>
-        <p:nvSpPr>
-          <p:cNvPr id="71" name="TextBox 70">
-            <a:extLst>
-              <a:ext uri="{FF2B5EF4-FFF2-40B4-BE49-F238E27FC236}">
-                <a16:creationId xmlns:a16="http://schemas.microsoft.com/office/drawing/2014/main" id="{BBA1F7DC-2FF5-8461-8F76-449E5935343E}"/>
+            <a:pPr algn="ctr"/>
+            <a:r>
+              <a:rPr lang="en-US" sz="1200" b="1" dirty="0"/>
+              <a:t>Good after Renovation</a:t>
+            </a:r>
+            <a:endParaRPr lang="en-IN" sz="1200" b="1" dirty="0"/>
+          </a:p>
+        </p:txBody>
+      </p:sp>
+      <p:sp>
+        <p:nvSpPr>
+          <p:cNvPr id="28" name="TextBox 27">
+            <a:extLst>
+              <a:ext uri="{FF2B5EF4-FFF2-40B4-BE49-F238E27FC236}">
+                <a16:creationId xmlns:a16="http://schemas.microsoft.com/office/drawing/2014/main" id="{54C5F57D-5092-9297-69BF-22D1AC75521F}"/>
               </a:ext>
             </a:extLst>
           </p:cNvPr>
@@ -4912,8 +5318,8 @@
         </p:nvSpPr>
         <p:spPr>
           <a:xfrm>
-            <a:off x="6701472" y="4096300"/>
-            <a:ext cx="4276582" cy="338554"/>
+            <a:off x="9499463" y="2733812"/>
+            <a:ext cx="1329345" cy="461665"/>
           </a:xfrm>
           <a:prstGeom prst="rect">
             <a:avLst/>
@@ -4926,320 +5332,21 @@
           </a:bodyPr>
           <a:lstStyle/>
           <a:p>
-            <a:r>
-              <a:rPr lang="en-US" sz="1600" b="1" dirty="0">
-                <a:solidFill>
-                  <a:schemeClr val="bg1">
-                    <a:lumMod val="50000"/>
-                  </a:schemeClr>
-                </a:solidFill>
-              </a:rPr>
-              <a:t>Properties by Year Built</a:t>
-            </a:r>
-            <a:endParaRPr lang="en-IN" sz="1600" b="1" dirty="0">
-              <a:solidFill>
-                <a:schemeClr val="bg1">
-                  <a:lumMod val="50000"/>
-                </a:schemeClr>
-              </a:solidFill>
-            </a:endParaRPr>
-          </a:p>
-        </p:txBody>
-      </p:sp>
-      <p:sp>
-        <p:nvSpPr>
-          <p:cNvPr id="72" name="TextBox 71">
-            <a:extLst>
-              <a:ext uri="{FF2B5EF4-FFF2-40B4-BE49-F238E27FC236}">
-                <a16:creationId xmlns:a16="http://schemas.microsoft.com/office/drawing/2014/main" id="{BD5FE888-CCA5-AF3B-883F-1536A1039CC0}"/>
-              </a:ext>
-            </a:extLst>
-          </p:cNvPr>
-          <p:cNvSpPr txBox="1"/>
-          <p:nvPr/>
-        </p:nvSpPr>
-        <p:spPr>
-          <a:xfrm>
-            <a:off x="3207295" y="4060985"/>
-            <a:ext cx="3492029" cy="338554"/>
-          </a:xfrm>
-          <a:prstGeom prst="rect">
-            <a:avLst/>
-          </a:prstGeom>
-          <a:noFill/>
-        </p:spPr>
-        <p:txBody>
-          <a:bodyPr wrap="square" rtlCol="0">
-            <a:spAutoFit/>
-          </a:bodyPr>
-          <a:lstStyle/>
-          <a:p>
-            <a:r>
-              <a:rPr lang="en-US" sz="1600" b="1" dirty="0">
-                <a:solidFill>
-                  <a:schemeClr val="bg1">
-                    <a:lumMod val="50000"/>
-                  </a:schemeClr>
-                </a:solidFill>
-              </a:rPr>
-              <a:t>Floor Contained in the Property</a:t>
-            </a:r>
-            <a:endParaRPr lang="en-IN" sz="1600" b="1" dirty="0">
-              <a:solidFill>
-                <a:schemeClr val="bg1">
-                  <a:lumMod val="50000"/>
-                </a:schemeClr>
-              </a:solidFill>
-            </a:endParaRPr>
-          </a:p>
-        </p:txBody>
-      </p:sp>
-      <p:sp>
-        <p:nvSpPr>
-          <p:cNvPr id="73" name="TextBox 72">
-            <a:extLst>
-              <a:ext uri="{FF2B5EF4-FFF2-40B4-BE49-F238E27FC236}">
-                <a16:creationId xmlns:a16="http://schemas.microsoft.com/office/drawing/2014/main" id="{D6AC1892-8B04-0F93-016B-B72AB292AEEC}"/>
-              </a:ext>
-            </a:extLst>
-          </p:cNvPr>
-          <p:cNvSpPr txBox="1"/>
-          <p:nvPr/>
-        </p:nvSpPr>
-        <p:spPr>
-          <a:xfrm>
-            <a:off x="3182104" y="1015306"/>
-            <a:ext cx="3492029" cy="338554"/>
-          </a:xfrm>
-          <a:prstGeom prst="rect">
-            <a:avLst/>
-          </a:prstGeom>
-          <a:noFill/>
-        </p:spPr>
-        <p:txBody>
-          <a:bodyPr wrap="square" rtlCol="0">
-            <a:spAutoFit/>
-          </a:bodyPr>
-          <a:lstStyle/>
-          <a:p>
-            <a:r>
-              <a:rPr lang="en-US" sz="1600" b="1" dirty="0">
-                <a:solidFill>
-                  <a:schemeClr val="bg1">
-                    <a:lumMod val="50000"/>
-                  </a:schemeClr>
-                </a:solidFill>
-              </a:rPr>
-              <a:t>Bedroom Contained in the Property</a:t>
-            </a:r>
-            <a:endParaRPr lang="en-IN" sz="1600" b="1" dirty="0">
-              <a:solidFill>
-                <a:schemeClr val="bg1">
-                  <a:lumMod val="50000"/>
-                </a:schemeClr>
-              </a:solidFill>
-            </a:endParaRPr>
-          </a:p>
-        </p:txBody>
-      </p:sp>
-      <p:sp>
-        <p:nvSpPr>
-          <p:cNvPr id="74" name="TextBox 73">
-            <a:extLst>
-              <a:ext uri="{FF2B5EF4-FFF2-40B4-BE49-F238E27FC236}">
-                <a16:creationId xmlns:a16="http://schemas.microsoft.com/office/drawing/2014/main" id="{7A17464E-8C3E-5E7B-7F24-22379549923E}"/>
-              </a:ext>
-            </a:extLst>
-          </p:cNvPr>
-          <p:cNvSpPr txBox="1"/>
-          <p:nvPr/>
-        </p:nvSpPr>
-        <p:spPr>
-          <a:xfrm>
-            <a:off x="1375245" y="1001162"/>
-            <a:ext cx="1806859" cy="323165"/>
-          </a:xfrm>
-          <a:prstGeom prst="rect">
-            <a:avLst/>
-          </a:prstGeom>
-          <a:noFill/>
-        </p:spPr>
-        <p:txBody>
-          <a:bodyPr wrap="square" rtlCol="0">
-            <a:spAutoFit/>
-          </a:bodyPr>
-          <a:lstStyle/>
-          <a:p>
-            <a:r>
-              <a:rPr lang="en-US" sz="1500" b="1" dirty="0">
-                <a:solidFill>
-                  <a:schemeClr val="bg1">
-                    <a:lumMod val="50000"/>
-                  </a:schemeClr>
-                </a:solidFill>
-              </a:rPr>
-              <a:t>Waterfront Status</a:t>
-            </a:r>
-            <a:endParaRPr lang="en-IN" sz="1500" b="1" dirty="0">
-              <a:solidFill>
-                <a:schemeClr val="bg1">
-                  <a:lumMod val="50000"/>
-                </a:schemeClr>
-              </a:solidFill>
-            </a:endParaRPr>
-          </a:p>
-        </p:txBody>
-      </p:sp>
-      <p:sp>
-        <p:nvSpPr>
-          <p:cNvPr id="75" name="TextBox 74">
-            <a:extLst>
-              <a:ext uri="{FF2B5EF4-FFF2-40B4-BE49-F238E27FC236}">
-                <a16:creationId xmlns:a16="http://schemas.microsoft.com/office/drawing/2014/main" id="{FD94F563-3274-7055-A828-25A910C41109}"/>
-              </a:ext>
-            </a:extLst>
-          </p:cNvPr>
-          <p:cNvSpPr txBox="1"/>
-          <p:nvPr/>
-        </p:nvSpPr>
-        <p:spPr>
-          <a:xfrm>
-            <a:off x="1420035" y="2532984"/>
-            <a:ext cx="1806859" cy="323165"/>
-          </a:xfrm>
-          <a:prstGeom prst="rect">
-            <a:avLst/>
-          </a:prstGeom>
-          <a:noFill/>
-        </p:spPr>
-        <p:txBody>
-          <a:bodyPr wrap="square" rtlCol="0">
-            <a:spAutoFit/>
-          </a:bodyPr>
-          <a:lstStyle/>
-          <a:p>
-            <a:r>
-              <a:rPr lang="en-US" sz="1500" b="1" dirty="0">
-                <a:solidFill>
-                  <a:schemeClr val="bg1">
-                    <a:lumMod val="50000"/>
-                  </a:schemeClr>
-                </a:solidFill>
-              </a:rPr>
-              <a:t>Waterfront Status</a:t>
-            </a:r>
-            <a:endParaRPr lang="en-IN" sz="1500" b="1" dirty="0">
-              <a:solidFill>
-                <a:schemeClr val="bg1">
-                  <a:lumMod val="50000"/>
-                </a:schemeClr>
-              </a:solidFill>
-            </a:endParaRPr>
-          </a:p>
-        </p:txBody>
-      </p:sp>
-      <p:sp>
-        <p:nvSpPr>
-          <p:cNvPr id="76" name="TextBox 75">
-            <a:extLst>
-              <a:ext uri="{FF2B5EF4-FFF2-40B4-BE49-F238E27FC236}">
-                <a16:creationId xmlns:a16="http://schemas.microsoft.com/office/drawing/2014/main" id="{F78F02A8-E572-3F30-D5DF-93627EF892E2}"/>
-              </a:ext>
-            </a:extLst>
-          </p:cNvPr>
-          <p:cNvSpPr txBox="1"/>
-          <p:nvPr/>
-        </p:nvSpPr>
-        <p:spPr>
-          <a:xfrm>
-            <a:off x="1365647" y="4108557"/>
-            <a:ext cx="1806859" cy="323165"/>
-          </a:xfrm>
-          <a:prstGeom prst="rect">
-            <a:avLst/>
-          </a:prstGeom>
-          <a:noFill/>
-        </p:spPr>
-        <p:txBody>
-          <a:bodyPr wrap="square" rtlCol="0">
-            <a:spAutoFit/>
-          </a:bodyPr>
-          <a:lstStyle/>
-          <a:p>
-            <a:r>
-              <a:rPr lang="en-US" sz="1500" b="1" dirty="0">
-                <a:solidFill>
-                  <a:schemeClr val="bg1">
-                    <a:lumMod val="50000"/>
-                  </a:schemeClr>
-                </a:solidFill>
-              </a:rPr>
-              <a:t>Renovation Status</a:t>
-            </a:r>
-            <a:endParaRPr lang="en-IN" sz="1500" b="1" dirty="0">
-              <a:solidFill>
-                <a:schemeClr val="bg1">
-                  <a:lumMod val="50000"/>
-                </a:schemeClr>
-              </a:solidFill>
-            </a:endParaRPr>
-          </a:p>
-        </p:txBody>
-      </p:sp>
-      <p:sp>
-        <p:nvSpPr>
-          <p:cNvPr id="77" name="TextBox 76">
-            <a:extLst>
-              <a:ext uri="{FF2B5EF4-FFF2-40B4-BE49-F238E27FC236}">
-                <a16:creationId xmlns:a16="http://schemas.microsoft.com/office/drawing/2014/main" id="{F3B713BA-BEEB-72D0-5E22-1E0C6D06E80A}"/>
-              </a:ext>
-            </a:extLst>
-          </p:cNvPr>
-          <p:cNvSpPr txBox="1"/>
-          <p:nvPr/>
-        </p:nvSpPr>
-        <p:spPr>
-          <a:xfrm>
-            <a:off x="1398924" y="5621704"/>
-            <a:ext cx="1806859" cy="323165"/>
-          </a:xfrm>
-          <a:prstGeom prst="rect">
-            <a:avLst/>
-          </a:prstGeom>
-          <a:noFill/>
-        </p:spPr>
-        <p:txBody>
-          <a:bodyPr wrap="square" rtlCol="0">
-            <a:spAutoFit/>
-          </a:bodyPr>
-          <a:lstStyle/>
-          <a:p>
-            <a:r>
-              <a:rPr lang="en-US" sz="1500" b="1" dirty="0">
-                <a:solidFill>
-                  <a:schemeClr val="bg1">
-                    <a:lumMod val="50000"/>
-                  </a:schemeClr>
-                </a:solidFill>
-              </a:rPr>
-              <a:t>Renovation Status</a:t>
-            </a:r>
-            <a:endParaRPr lang="en-IN" sz="1500" b="1" dirty="0">
-              <a:solidFill>
-                <a:schemeClr val="bg1">
-                  <a:lumMod val="50000"/>
-                </a:schemeClr>
-              </a:solidFill>
-            </a:endParaRPr>
-          </a:p>
-        </p:txBody>
-      </p:sp>
-      <p:sp>
-        <p:nvSpPr>
-          <p:cNvPr id="81" name="Isosceles Triangle 80">
-            <a:extLst>
-              <a:ext uri="{FF2B5EF4-FFF2-40B4-BE49-F238E27FC236}">
-                <a16:creationId xmlns:a16="http://schemas.microsoft.com/office/drawing/2014/main" id="{E308A15F-32B2-F1C1-7D75-396963A5B12B}"/>
+            <a:pPr algn="ctr"/>
+            <a:r>
+              <a:rPr lang="en-US" sz="1200" b="1" dirty="0"/>
+              <a:t>Bad after Renovation</a:t>
+            </a:r>
+            <a:endParaRPr lang="en-IN" sz="1200" b="1" dirty="0"/>
+          </a:p>
+        </p:txBody>
+      </p:sp>
+      <p:sp>
+        <p:nvSpPr>
+          <p:cNvPr id="35" name="Rectangle 34">
+            <a:extLst>
+              <a:ext uri="{FF2B5EF4-FFF2-40B4-BE49-F238E27FC236}">
+                <a16:creationId xmlns:a16="http://schemas.microsoft.com/office/drawing/2014/main" id="{C22A1DAF-303B-D8CD-394E-DA8AAC528E1E}"/>
               </a:ext>
             </a:extLst>
           </p:cNvPr>
@@ -5247,13 +5354,21 @@
           <p:nvPr/>
         </p:nvSpPr>
         <p:spPr>
-          <a:xfrm rot="5400000">
-            <a:off x="736839" y="3254905"/>
-            <a:ext cx="1104408" cy="148059"/>
-          </a:xfrm>
-          <a:prstGeom prst="triangle">
-            <a:avLst/>
-          </a:prstGeom>
+          <a:xfrm>
+            <a:off x="3236841" y="1008272"/>
+            <a:ext cx="1631019" cy="1487568"/>
+          </a:xfrm>
+          <a:prstGeom prst="rect">
+            <a:avLst/>
+          </a:prstGeom>
+          <a:solidFill>
+            <a:schemeClr val="bg1">
+              <a:lumMod val="95000"/>
+            </a:schemeClr>
+          </a:solidFill>
+          <a:ln>
+            <a:noFill/>
+          </a:ln>
         </p:spPr>
         <p:style>
           <a:lnRef idx="2">
@@ -5276,203 +5391,61 @@
           <a:lstStyle/>
           <a:p>
             <a:pPr algn="ctr"/>
-            <a:endParaRPr lang="en-IN"/>
-          </a:p>
-        </p:txBody>
-      </p:sp>
-      <p:sp>
-        <p:nvSpPr>
-          <p:cNvPr id="82" name="TextBox 81">
-            <a:extLst>
-              <a:ext uri="{FF2B5EF4-FFF2-40B4-BE49-F238E27FC236}">
-                <a16:creationId xmlns:a16="http://schemas.microsoft.com/office/drawing/2014/main" id="{047362E4-7B6F-7EE5-7710-770181AB8404}"/>
-              </a:ext>
-            </a:extLst>
-          </p:cNvPr>
-          <p:cNvSpPr txBox="1"/>
-          <p:nvPr/>
-        </p:nvSpPr>
-        <p:spPr>
-          <a:xfrm>
-            <a:off x="1397212" y="1855021"/>
-            <a:ext cx="1806859" cy="276999"/>
-          </a:xfrm>
-          <a:prstGeom prst="rect">
-            <a:avLst/>
-          </a:prstGeom>
-          <a:noFill/>
-        </p:spPr>
-        <p:txBody>
-          <a:bodyPr wrap="square" rtlCol="0">
-            <a:spAutoFit/>
-          </a:bodyPr>
+            <a:endParaRPr lang="en-IN" sz="1547" dirty="0"/>
+          </a:p>
+        </p:txBody>
+      </p:sp>
+      <p:sp>
+        <p:nvSpPr>
+          <p:cNvPr id="37" name="Rectangle 36">
+            <a:extLst>
+              <a:ext uri="{FF2B5EF4-FFF2-40B4-BE49-F238E27FC236}">
+                <a16:creationId xmlns:a16="http://schemas.microsoft.com/office/drawing/2014/main" id="{83FA65F2-BD62-AC89-AFD5-4BB632DAC94B}"/>
+              </a:ext>
+            </a:extLst>
+          </p:cNvPr>
+          <p:cNvSpPr/>
+          <p:nvPr/>
+        </p:nvSpPr>
+        <p:spPr>
+          <a:xfrm>
+            <a:off x="4900218" y="1016030"/>
+            <a:ext cx="1774241" cy="1487568"/>
+          </a:xfrm>
+          <a:prstGeom prst="rect">
+            <a:avLst/>
+          </a:prstGeom>
+          <a:solidFill>
+            <a:schemeClr val="bg1">
+              <a:lumMod val="95000"/>
+            </a:schemeClr>
+          </a:solidFill>
+          <a:ln>
+            <a:noFill/>
+          </a:ln>
+        </p:spPr>
+        <p:style>
+          <a:lnRef idx="2">
+            <a:schemeClr val="accent1">
+              <a:shade val="15000"/>
+            </a:schemeClr>
+          </a:lnRef>
+          <a:fillRef idx="1">
+            <a:schemeClr val="accent1"/>
+          </a:fillRef>
+          <a:effectRef idx="0">
+            <a:schemeClr val="accent1"/>
+          </a:effectRef>
+          <a:fontRef idx="minor">
+            <a:schemeClr val="lt1"/>
+          </a:fontRef>
+        </p:style>
+        <p:txBody>
+          <a:bodyPr rtlCol="0" anchor="ctr"/>
           <a:lstStyle/>
           <a:p>
             <a:pPr algn="ctr"/>
-            <a:r>
-              <a:rPr lang="en-US" sz="1200" b="1" dirty="0">
-                <a:solidFill>
-                  <a:schemeClr val="bg1">
-                    <a:lumMod val="65000"/>
-                  </a:schemeClr>
-                </a:solidFill>
-              </a:rPr>
-              <a:t>Has Waterfront Yes</a:t>
-            </a:r>
-            <a:endParaRPr lang="en-IN" sz="1200" b="1" dirty="0">
-              <a:solidFill>
-                <a:schemeClr val="bg1">
-                  <a:lumMod val="65000"/>
-                </a:schemeClr>
-              </a:solidFill>
-            </a:endParaRPr>
-          </a:p>
-        </p:txBody>
-      </p:sp>
-      <p:sp>
-        <p:nvSpPr>
-          <p:cNvPr id="83" name="TextBox 82">
-            <a:extLst>
-              <a:ext uri="{FF2B5EF4-FFF2-40B4-BE49-F238E27FC236}">
-                <a16:creationId xmlns:a16="http://schemas.microsoft.com/office/drawing/2014/main" id="{3224F3C8-7585-E4FF-D3F1-8780FC960729}"/>
-              </a:ext>
-            </a:extLst>
-          </p:cNvPr>
-          <p:cNvSpPr txBox="1"/>
-          <p:nvPr/>
-        </p:nvSpPr>
-        <p:spPr>
-          <a:xfrm>
-            <a:off x="1391553" y="5000410"/>
-            <a:ext cx="1806859" cy="276999"/>
-          </a:xfrm>
-          <a:prstGeom prst="rect">
-            <a:avLst/>
-          </a:prstGeom>
-          <a:noFill/>
-        </p:spPr>
-        <p:txBody>
-          <a:bodyPr wrap="square" rtlCol="0">
-            <a:spAutoFit/>
-          </a:bodyPr>
-          <a:lstStyle/>
-          <a:p>
-            <a:pPr algn="ctr"/>
-            <a:r>
-              <a:rPr lang="en-US" sz="1200" b="1" dirty="0">
-                <a:solidFill>
-                  <a:schemeClr val="bg1">
-                    <a:lumMod val="65000"/>
-                  </a:schemeClr>
-                </a:solidFill>
-              </a:rPr>
-              <a:t>Has Renovated Yes</a:t>
-            </a:r>
-            <a:endParaRPr lang="en-IN" sz="1200" b="1" dirty="0">
-              <a:solidFill>
-                <a:schemeClr val="bg1">
-                  <a:lumMod val="65000"/>
-                </a:schemeClr>
-              </a:solidFill>
-            </a:endParaRPr>
-          </a:p>
-        </p:txBody>
-      </p:sp>
-      <p:sp>
-        <p:nvSpPr>
-          <p:cNvPr id="84" name="TextBox 83">
-            <a:extLst>
-              <a:ext uri="{FF2B5EF4-FFF2-40B4-BE49-F238E27FC236}">
-                <a16:creationId xmlns:a16="http://schemas.microsoft.com/office/drawing/2014/main" id="{6F6943F7-BE13-1183-C6DB-54B55655839D}"/>
-              </a:ext>
-            </a:extLst>
-          </p:cNvPr>
-          <p:cNvSpPr txBox="1"/>
-          <p:nvPr/>
-        </p:nvSpPr>
-        <p:spPr>
-          <a:xfrm>
-            <a:off x="1330130" y="6512759"/>
-            <a:ext cx="1806859" cy="276999"/>
-          </a:xfrm>
-          <a:prstGeom prst="rect">
-            <a:avLst/>
-          </a:prstGeom>
-          <a:noFill/>
-        </p:spPr>
-        <p:txBody>
-          <a:bodyPr wrap="square" rtlCol="0">
-            <a:spAutoFit/>
-          </a:bodyPr>
-          <a:lstStyle/>
-          <a:p>
-            <a:pPr algn="ctr"/>
-            <a:r>
-              <a:rPr lang="en-US" sz="1200" b="1" dirty="0">
-                <a:solidFill>
-                  <a:schemeClr val="bg1">
-                    <a:lumMod val="65000"/>
-                  </a:schemeClr>
-                </a:solidFill>
-              </a:rPr>
-              <a:t>Has Renovated No</a:t>
-            </a:r>
-            <a:endParaRPr lang="en-IN" sz="1200" b="1" dirty="0">
-              <a:solidFill>
-                <a:schemeClr val="bg1">
-                  <a:lumMod val="65000"/>
-                </a:schemeClr>
-              </a:solidFill>
-            </a:endParaRPr>
-          </a:p>
-        </p:txBody>
-      </p:sp>
-      <p:sp>
-        <p:nvSpPr>
-          <p:cNvPr id="85" name="TextBox 84">
-            <a:extLst>
-              <a:ext uri="{FF2B5EF4-FFF2-40B4-BE49-F238E27FC236}">
-                <a16:creationId xmlns:a16="http://schemas.microsoft.com/office/drawing/2014/main" id="{0F8BD947-E943-9BD0-F12E-91BF247DC516}"/>
-              </a:ext>
-            </a:extLst>
-          </p:cNvPr>
-          <p:cNvSpPr txBox="1"/>
-          <p:nvPr/>
-        </p:nvSpPr>
-        <p:spPr>
-          <a:xfrm>
-            <a:off x="1375245" y="3456540"/>
-            <a:ext cx="1806859" cy="276999"/>
-          </a:xfrm>
-          <a:prstGeom prst="rect">
-            <a:avLst/>
-          </a:prstGeom>
-          <a:noFill/>
-        </p:spPr>
-        <p:txBody>
-          <a:bodyPr wrap="square" rtlCol="0">
-            <a:spAutoFit/>
-          </a:bodyPr>
-          <a:lstStyle/>
-          <a:p>
-            <a:pPr algn="ctr"/>
-            <a:r>
-              <a:rPr lang="en-US" sz="1200" b="1" dirty="0">
-                <a:solidFill>
-                  <a:schemeClr val="bg1">
-                    <a:lumMod val="65000"/>
-                  </a:schemeClr>
-                </a:solidFill>
-              </a:rPr>
-              <a:t>Has Waterfront No</a:t>
-            </a:r>
-            <a:endParaRPr lang="en-IN" sz="1200" b="1" dirty="0">
-              <a:solidFill>
-                <a:schemeClr val="bg1">
-                  <a:lumMod val="65000"/>
-                </a:schemeClr>
-              </a:solidFill>
-            </a:endParaRPr>
+            <a:endParaRPr lang="en-IN" sz="1547" dirty="0"/>
           </a:p>
         </p:txBody>
       </p:sp>
@@ -5527,61 +5500,11 @@
             <a:avLst/>
           </a:prstGeom>
           <a:solidFill>
-            <a:srgbClr val="585858"/>
+            <a:schemeClr val="accent1">
+              <a:lumMod val="50000"/>
+            </a:schemeClr>
           </a:solidFill>
           <a:ln/>
-        </p:spPr>
-        <p:style>
-          <a:lnRef idx="3">
-            <a:schemeClr val="lt1"/>
-          </a:lnRef>
-          <a:fillRef idx="1">
-            <a:schemeClr val="accent4"/>
-          </a:fillRef>
-          <a:effectRef idx="1">
-            <a:schemeClr val="accent4"/>
-          </a:effectRef>
-          <a:fontRef idx="minor">
-            <a:schemeClr val="lt1"/>
-          </a:fontRef>
-        </p:style>
-        <p:txBody>
-          <a:bodyPr rtlCol="0" anchor="ctr"/>
-          <a:lstStyle/>
-          <a:p>
-            <a:pPr algn="ctr"/>
-            <a:endParaRPr lang="en-IN" sz="1547" dirty="0"/>
-          </a:p>
-        </p:txBody>
-      </p:sp>
-      <p:sp>
-        <p:nvSpPr>
-          <p:cNvPr id="5" name="Flowchart: Manual Operation 4">
-            <a:extLst>
-              <a:ext uri="{FF2B5EF4-FFF2-40B4-BE49-F238E27FC236}">
-                <a16:creationId xmlns:a16="http://schemas.microsoft.com/office/drawing/2014/main" id="{DAA76E59-7AC2-B2B2-68DE-B43F760910C8}"/>
-              </a:ext>
-            </a:extLst>
-          </p:cNvPr>
-          <p:cNvSpPr/>
-          <p:nvPr/>
-        </p:nvSpPr>
-        <p:spPr>
-          <a:xfrm>
-            <a:off x="1809445" y="21772"/>
-            <a:ext cx="6928388" cy="935649"/>
-          </a:xfrm>
-          <a:prstGeom prst="flowChartManualOperation">
-            <a:avLst/>
-          </a:prstGeom>
-          <a:solidFill>
-            <a:schemeClr val="accent4">
-              <a:lumMod val="75000"/>
-            </a:schemeClr>
-          </a:solidFill>
-          <a:ln>
-            <a:noFill/>
-          </a:ln>
         </p:spPr>
         <p:style>
           <a:lnRef idx="2">
@@ -5610,6 +5533,53 @@
       </p:sp>
       <p:sp>
         <p:nvSpPr>
+          <p:cNvPr id="5" name="Flowchart: Manual Operation 4">
+            <a:extLst>
+              <a:ext uri="{FF2B5EF4-FFF2-40B4-BE49-F238E27FC236}">
+                <a16:creationId xmlns:a16="http://schemas.microsoft.com/office/drawing/2014/main" id="{DAA76E59-7AC2-B2B2-68DE-B43F760910C8}"/>
+              </a:ext>
+            </a:extLst>
+          </p:cNvPr>
+          <p:cNvSpPr/>
+          <p:nvPr/>
+        </p:nvSpPr>
+        <p:spPr>
+          <a:xfrm>
+            <a:off x="1809444" y="0"/>
+            <a:ext cx="7064391" cy="957421"/>
+          </a:xfrm>
+          <a:prstGeom prst="flowChartManualOperation">
+            <a:avLst/>
+          </a:prstGeom>
+          <a:ln/>
+        </p:spPr>
+        <p:style>
+          <a:lnRef idx="2">
+            <a:schemeClr val="dk1">
+              <a:shade val="15000"/>
+            </a:schemeClr>
+          </a:lnRef>
+          <a:fillRef idx="1">
+            <a:schemeClr val="dk1"/>
+          </a:fillRef>
+          <a:effectRef idx="0">
+            <a:schemeClr val="dk1"/>
+          </a:effectRef>
+          <a:fontRef idx="minor">
+            <a:schemeClr val="lt1"/>
+          </a:fontRef>
+        </p:style>
+        <p:txBody>
+          <a:bodyPr rtlCol="0" anchor="ctr"/>
+          <a:lstStyle/>
+          <a:p>
+            <a:pPr algn="ctr"/>
+            <a:endParaRPr lang="en-IN" sz="1547" dirty="0"/>
+          </a:p>
+        </p:txBody>
+      </p:sp>
+      <p:sp>
+        <p:nvSpPr>
           <p:cNvPr id="6" name="TextBox 5">
             <a:extLst>
               <a:ext uri="{FF2B5EF4-FFF2-40B4-BE49-F238E27FC236}">
@@ -5622,7 +5592,7 @@
         </p:nvSpPr>
         <p:spPr>
           <a:xfrm>
-            <a:off x="2549403" y="44481"/>
+            <a:off x="2661001" y="2745"/>
             <a:ext cx="5492015" cy="523220"/>
           </a:xfrm>
           <a:prstGeom prst="rect">
@@ -5650,7 +5620,10 @@
             <a:r>
               <a:rPr lang="en-US" sz="2800" b="1" dirty="0">
                 <a:solidFill>
-                  <a:schemeClr val="tx2"/>
+                  <a:schemeClr val="tx2">
+                    <a:lumMod val="75000"/>
+                    <a:lumOff val="25000"/>
+                  </a:schemeClr>
                 </a:solidFill>
                 <a:latin typeface="Segoe UI" panose="020B0502040204020203" pitchFamily="34" charset="0"/>
                 <a:cs typeface="Segoe UI" panose="020B0502040204020203" pitchFamily="34" charset="0"/>
@@ -5691,7 +5664,7 @@
         </p:nvSpPr>
         <p:spPr>
           <a:xfrm>
-            <a:off x="2984985" y="495183"/>
+            <a:off x="3238228" y="527151"/>
             <a:ext cx="3717672" cy="356701"/>
           </a:xfrm>
           <a:prstGeom prst="rect">
@@ -5756,8 +5729,8 @@
             <a:r>
               <a:rPr lang="en-US" sz="1718" b="1" dirty="0">
                 <a:solidFill>
-                  <a:schemeClr val="bg1">
-                    <a:lumMod val="95000"/>
+                  <a:schemeClr val="bg2">
+                    <a:lumMod val="50000"/>
                   </a:schemeClr>
                 </a:solidFill>
                 <a:latin typeface="Segoe UI Semibold" panose="020B0702040204020203" pitchFamily="34" charset="0"/>
@@ -5767,8 +5740,8 @@
             </a:r>
             <a:endParaRPr lang="en-IN" sz="1718" b="1" dirty="0">
               <a:solidFill>
-                <a:schemeClr val="bg1">
-                  <a:lumMod val="95000"/>
+                <a:schemeClr val="bg2">
+                  <a:lumMod val="50000"/>
                 </a:schemeClr>
               </a:solidFill>
               <a:latin typeface="Segoe UI Semibold" panose="020B0702040204020203" pitchFamily="34" charset="0"/>
@@ -5827,12 +5800,381 @@
         </p:nvSpPr>
         <p:spPr>
           <a:xfrm>
-            <a:off x="36321" y="982583"/>
-            <a:ext cx="1168924" cy="1523918"/>
+            <a:off x="48167" y="1021986"/>
+            <a:ext cx="1168924" cy="1658349"/>
           </a:xfrm>
           <a:prstGeom prst="roundRect">
             <a:avLst/>
           </a:prstGeom>
+        </p:spPr>
+        <p:style>
+          <a:lnRef idx="2">
+            <a:schemeClr val="dk1">
+              <a:shade val="15000"/>
+            </a:schemeClr>
+          </a:lnRef>
+          <a:fillRef idx="1">
+            <a:schemeClr val="dk1"/>
+          </a:fillRef>
+          <a:effectRef idx="0">
+            <a:schemeClr val="dk1"/>
+          </a:effectRef>
+          <a:fontRef idx="minor">
+            <a:schemeClr val="lt1"/>
+          </a:fontRef>
+        </p:style>
+        <p:txBody>
+          <a:bodyPr rtlCol="0" anchor="ctr"/>
+          <a:lstStyle/>
+          <a:p>
+            <a:pPr algn="ctr"/>
+            <a:endParaRPr lang="en-IN" sz="1547" dirty="0"/>
+          </a:p>
+        </p:txBody>
+      </p:sp>
+      <p:pic>
+        <p:nvPicPr>
+          <p:cNvPr id="27" name="Picture 26" descr="A black background with a black square&#10;&#10;Description automatically generated with medium confidence">
+            <a:extLst>
+              <a:ext uri="{FF2B5EF4-FFF2-40B4-BE49-F238E27FC236}">
+                <a16:creationId xmlns:a16="http://schemas.microsoft.com/office/drawing/2014/main" id="{E1A027C9-A19B-A5CA-F023-F49EE62C9119}"/>
+              </a:ext>
+            </a:extLst>
+          </p:cNvPr>
+          <p:cNvPicPr>
+            <a:picLocks noChangeAspect="1"/>
+          </p:cNvPicPr>
+          <p:nvPr/>
+        </p:nvPicPr>
+        <p:blipFill>
+          <a:blip r:embed="rId3">
+            <a:lum bright="70000" contrast="-70000"/>
+            <a:extLst>
+              <a:ext uri="{28A0092B-C50C-407E-A947-70E740481C1C}">
+                <a14:useLocalDpi xmlns:a14="http://schemas.microsoft.com/office/drawing/2010/main" val="0"/>
+              </a:ext>
+            </a:extLst>
+          </a:blip>
+          <a:stretch>
+            <a:fillRect/>
+          </a:stretch>
+        </p:blipFill>
+        <p:spPr>
+          <a:xfrm>
+            <a:off x="119100" y="1275001"/>
+            <a:ext cx="973298" cy="1072768"/>
+          </a:xfrm>
+          <a:prstGeom prst="rect">
+            <a:avLst/>
+          </a:prstGeom>
+        </p:spPr>
+      </p:pic>
+      <p:sp>
+        <p:nvSpPr>
+          <p:cNvPr id="31" name="Rectangle: Rounded Corners 30">
+            <a:extLst>
+              <a:ext uri="{FF2B5EF4-FFF2-40B4-BE49-F238E27FC236}">
+                <a16:creationId xmlns:a16="http://schemas.microsoft.com/office/drawing/2014/main" id="{432A1638-CDC5-5D56-FF65-38950DD6DC42}"/>
+              </a:ext>
+            </a:extLst>
+          </p:cNvPr>
+          <p:cNvSpPr/>
+          <p:nvPr/>
+        </p:nvSpPr>
+        <p:spPr>
+          <a:xfrm>
+            <a:off x="36321" y="4830101"/>
+            <a:ext cx="1178692" cy="2162981"/>
+          </a:xfrm>
+          <a:prstGeom prst="roundRect">
+            <a:avLst/>
+          </a:prstGeom>
+        </p:spPr>
+        <p:style>
+          <a:lnRef idx="1">
+            <a:schemeClr val="accent1"/>
+          </a:lnRef>
+          <a:fillRef idx="2">
+            <a:schemeClr val="accent1"/>
+          </a:fillRef>
+          <a:effectRef idx="1">
+            <a:schemeClr val="accent1"/>
+          </a:effectRef>
+          <a:fontRef idx="minor">
+            <a:schemeClr val="dk1"/>
+          </a:fontRef>
+        </p:style>
+        <p:txBody>
+          <a:bodyPr rtlCol="0" anchor="ctr"/>
+          <a:lstStyle/>
+          <a:p>
+            <a:pPr algn="ctr"/>
+            <a:endParaRPr lang="en-IN" sz="1547" dirty="0"/>
+          </a:p>
+        </p:txBody>
+      </p:sp>
+      <p:pic>
+        <p:nvPicPr>
+          <p:cNvPr id="36" name="Graphic 35" descr="Earth Globe - Asia with solid fill">
+            <a:extLst>
+              <a:ext uri="{FF2B5EF4-FFF2-40B4-BE49-F238E27FC236}">
+                <a16:creationId xmlns:a16="http://schemas.microsoft.com/office/drawing/2014/main" id="{515FB6B2-9343-BCD8-5849-63ED77BE34C2}"/>
+              </a:ext>
+            </a:extLst>
+          </p:cNvPr>
+          <p:cNvPicPr>
+            <a:picLocks noChangeAspect="1"/>
+          </p:cNvPicPr>
+          <p:nvPr/>
+        </p:nvPicPr>
+        <p:blipFill>
+          <a:blip r:embed="rId4">
+            <a:extLst>
+              <a:ext uri="{96DAC541-7B7A-43D3-8B79-37D633B846F1}">
+                <asvg:svgBlip xmlns:asvg="http://schemas.microsoft.com/office/drawing/2016/SVG/main" r:embed="rId5"/>
+              </a:ext>
+            </a:extLst>
+          </a:blip>
+          <a:stretch>
+            <a:fillRect/>
+          </a:stretch>
+        </p:blipFill>
+        <p:spPr>
+          <a:xfrm>
+            <a:off x="123372" y="5427947"/>
+            <a:ext cx="1033843" cy="1033843"/>
+          </a:xfrm>
+          <a:prstGeom prst="rect">
+            <a:avLst/>
+          </a:prstGeom>
+        </p:spPr>
+      </p:pic>
+      <p:sp>
+        <p:nvSpPr>
+          <p:cNvPr id="40" name="TextBox 39">
+            <a:extLst>
+              <a:ext uri="{FF2B5EF4-FFF2-40B4-BE49-F238E27FC236}">
+                <a16:creationId xmlns:a16="http://schemas.microsoft.com/office/drawing/2014/main" id="{3FD6E23F-B519-72E8-A8D5-14200E2194FC}"/>
+              </a:ext>
+            </a:extLst>
+          </p:cNvPr>
+          <p:cNvSpPr txBox="1"/>
+          <p:nvPr/>
+        </p:nvSpPr>
+        <p:spPr>
+          <a:xfrm>
+            <a:off x="108374" y="5044001"/>
+            <a:ext cx="1103445" cy="330411"/>
+          </a:xfrm>
+          <a:prstGeom prst="rect">
+            <a:avLst/>
+          </a:prstGeom>
+          <a:noFill/>
+        </p:spPr>
+        <p:txBody>
+          <a:bodyPr wrap="square" rtlCol="0">
+            <a:spAutoFit/>
+          </a:bodyPr>
+          <a:lstStyle/>
+          <a:p>
+            <a:r>
+              <a:rPr lang="en-US" sz="1547" b="1" dirty="0"/>
+              <a:t>Location</a:t>
+            </a:r>
+            <a:endParaRPr lang="en-IN" sz="1547" b="1" dirty="0"/>
+          </a:p>
+        </p:txBody>
+      </p:sp>
+      <p:sp>
+        <p:nvSpPr>
+          <p:cNvPr id="81" name="Isosceles Triangle 80">
+            <a:extLst>
+              <a:ext uri="{FF2B5EF4-FFF2-40B4-BE49-F238E27FC236}">
+                <a16:creationId xmlns:a16="http://schemas.microsoft.com/office/drawing/2014/main" id="{E308A15F-32B2-F1C1-7D75-396963A5B12B}"/>
+              </a:ext>
+            </a:extLst>
+          </p:cNvPr>
+          <p:cNvSpPr/>
+          <p:nvPr/>
+        </p:nvSpPr>
+        <p:spPr>
+          <a:xfrm rot="5400000">
+            <a:off x="454697" y="5844241"/>
+            <a:ext cx="1658349" cy="134699"/>
+          </a:xfrm>
+          <a:prstGeom prst="triangle">
+            <a:avLst/>
+          </a:prstGeom>
+        </p:spPr>
+        <p:style>
+          <a:lnRef idx="2">
+            <a:schemeClr val="dk1">
+              <a:shade val="15000"/>
+            </a:schemeClr>
+          </a:lnRef>
+          <a:fillRef idx="1">
+            <a:schemeClr val="dk1"/>
+          </a:fillRef>
+          <a:effectRef idx="0">
+            <a:schemeClr val="dk1"/>
+          </a:effectRef>
+          <a:fontRef idx="minor">
+            <a:schemeClr val="lt1"/>
+          </a:fontRef>
+        </p:style>
+        <p:txBody>
+          <a:bodyPr rtlCol="0" anchor="ctr"/>
+          <a:lstStyle/>
+          <a:p>
+            <a:pPr algn="ctr"/>
+            <a:endParaRPr lang="en-IN"/>
+          </a:p>
+        </p:txBody>
+      </p:sp>
+      <p:sp>
+        <p:nvSpPr>
+          <p:cNvPr id="2" name="Rectangle: Rounded Corners 1">
+            <a:extLst>
+              <a:ext uri="{FF2B5EF4-FFF2-40B4-BE49-F238E27FC236}">
+                <a16:creationId xmlns:a16="http://schemas.microsoft.com/office/drawing/2014/main" id="{42C89C84-7327-C0E0-3D2F-7D596708D34E}"/>
+              </a:ext>
+            </a:extLst>
+          </p:cNvPr>
+          <p:cNvSpPr/>
+          <p:nvPr/>
+        </p:nvSpPr>
+        <p:spPr>
+          <a:xfrm>
+            <a:off x="18475" y="2707103"/>
+            <a:ext cx="1138740" cy="2069463"/>
+          </a:xfrm>
+          <a:prstGeom prst="roundRect">
+            <a:avLst/>
+          </a:prstGeom>
+        </p:spPr>
+        <p:style>
+          <a:lnRef idx="1">
+            <a:schemeClr val="accent1"/>
+          </a:lnRef>
+          <a:fillRef idx="2">
+            <a:schemeClr val="accent1"/>
+          </a:fillRef>
+          <a:effectRef idx="1">
+            <a:schemeClr val="accent1"/>
+          </a:effectRef>
+          <a:fontRef idx="minor">
+            <a:schemeClr val="dk1"/>
+          </a:fontRef>
+        </p:style>
+        <p:txBody>
+          <a:bodyPr rtlCol="0" anchor="ctr"/>
+          <a:lstStyle/>
+          <a:p>
+            <a:pPr algn="ctr"/>
+            <a:endParaRPr lang="en-IN" sz="1547" dirty="0"/>
+          </a:p>
+        </p:txBody>
+      </p:sp>
+      <p:pic>
+        <p:nvPicPr>
+          <p:cNvPr id="3" name="Graphic 2" descr="Eye with solid fill">
+            <a:extLst>
+              <a:ext uri="{FF2B5EF4-FFF2-40B4-BE49-F238E27FC236}">
+                <a16:creationId xmlns:a16="http://schemas.microsoft.com/office/drawing/2014/main" id="{C6E7FE2A-EB16-6564-75A2-3F6297E7EE8A}"/>
+              </a:ext>
+            </a:extLst>
+          </p:cNvPr>
+          <p:cNvPicPr>
+            <a:picLocks noChangeAspect="1"/>
+          </p:cNvPicPr>
+          <p:nvPr/>
+        </p:nvPicPr>
+        <p:blipFill>
+          <a:blip r:embed="rId6">
+            <a:extLst>
+              <a:ext uri="{96DAC541-7B7A-43D3-8B79-37D633B846F1}">
+                <asvg:svgBlip xmlns:asvg="http://schemas.microsoft.com/office/drawing/2016/SVG/main" r:embed="rId7"/>
+              </a:ext>
+            </a:extLst>
+          </a:blip>
+          <a:stretch>
+            <a:fillRect/>
+          </a:stretch>
+        </p:blipFill>
+        <p:spPr>
+          <a:xfrm>
+            <a:off x="18074" y="3367116"/>
+            <a:ext cx="1145663" cy="1038805"/>
+          </a:xfrm>
+          <a:prstGeom prst="rect">
+            <a:avLst/>
+          </a:prstGeom>
+        </p:spPr>
+      </p:pic>
+      <p:sp>
+        <p:nvSpPr>
+          <p:cNvPr id="9" name="TextBox 8">
+            <a:extLst>
+              <a:ext uri="{FF2B5EF4-FFF2-40B4-BE49-F238E27FC236}">
+                <a16:creationId xmlns:a16="http://schemas.microsoft.com/office/drawing/2014/main" id="{E44203E8-D016-00F6-7F64-CE28A7680061}"/>
+              </a:ext>
+            </a:extLst>
+          </p:cNvPr>
+          <p:cNvSpPr txBox="1"/>
+          <p:nvPr/>
+        </p:nvSpPr>
+        <p:spPr>
+          <a:xfrm>
+            <a:off x="80907" y="2871904"/>
+            <a:ext cx="1103445" cy="330411"/>
+          </a:xfrm>
+          <a:prstGeom prst="rect">
+            <a:avLst/>
+          </a:prstGeom>
+          <a:noFill/>
+        </p:spPr>
+        <p:txBody>
+          <a:bodyPr wrap="square" rtlCol="0">
+            <a:spAutoFit/>
+          </a:bodyPr>
+          <a:lstStyle/>
+          <a:p>
+            <a:r>
+              <a:rPr lang="en-US" sz="1547" b="1" dirty="0"/>
+              <a:t>Overview</a:t>
+            </a:r>
+            <a:endParaRPr lang="en-IN" sz="1547" b="1" dirty="0"/>
+          </a:p>
+        </p:txBody>
+      </p:sp>
+      <p:sp>
+        <p:nvSpPr>
+          <p:cNvPr id="10" name="Rectangle 9">
+            <a:extLst>
+              <a:ext uri="{FF2B5EF4-FFF2-40B4-BE49-F238E27FC236}">
+                <a16:creationId xmlns:a16="http://schemas.microsoft.com/office/drawing/2014/main" id="{4BAA5441-E2E7-2D62-BB06-555B8338A4BB}"/>
+              </a:ext>
+            </a:extLst>
+          </p:cNvPr>
+          <p:cNvSpPr/>
+          <p:nvPr/>
+        </p:nvSpPr>
+        <p:spPr>
+          <a:xfrm>
+            <a:off x="1403399" y="1499874"/>
+            <a:ext cx="5262887" cy="5640234"/>
+          </a:xfrm>
+          <a:prstGeom prst="rect">
+            <a:avLst/>
+          </a:prstGeom>
+          <a:solidFill>
+            <a:schemeClr val="bg1">
+              <a:lumMod val="95000"/>
+            </a:schemeClr>
+          </a:solidFill>
+          <a:ln>
+            <a:noFill/>
+          </a:ln>
         </p:spPr>
         <p:style>
           <a:lnRef idx="2">
@@ -5855,53 +6197,16 @@
           <a:lstStyle/>
           <a:p>
             <a:pPr algn="ctr"/>
-            <a:endParaRPr lang="en-IN" sz="1547"/>
-          </a:p>
-        </p:txBody>
-      </p:sp>
-      <p:pic>
-        <p:nvPicPr>
-          <p:cNvPr id="27" name="Picture 26" descr="A black background with a black square&#10;&#10;Description automatically generated with medium confidence">
-            <a:extLst>
-              <a:ext uri="{FF2B5EF4-FFF2-40B4-BE49-F238E27FC236}">
-                <a16:creationId xmlns:a16="http://schemas.microsoft.com/office/drawing/2014/main" id="{E1A027C9-A19B-A5CA-F023-F49EE62C9119}"/>
-              </a:ext>
-            </a:extLst>
-          </p:cNvPr>
-          <p:cNvPicPr>
-            <a:picLocks noChangeAspect="1"/>
-          </p:cNvPicPr>
-          <p:nvPr/>
-        </p:nvPicPr>
-        <p:blipFill>
-          <a:blip r:embed="rId3">
-            <a:lum bright="70000" contrast="-70000"/>
-            <a:extLst>
-              <a:ext uri="{28A0092B-C50C-407E-A947-70E740481C1C}">
-                <a14:useLocalDpi xmlns:a14="http://schemas.microsoft.com/office/drawing/2010/main" val="0"/>
-              </a:ext>
-            </a:extLst>
-          </a:blip>
-          <a:stretch>
-            <a:fillRect/>
-          </a:stretch>
-        </p:blipFill>
-        <p:spPr>
-          <a:xfrm>
-            <a:off x="166710" y="1090871"/>
-            <a:ext cx="973298" cy="1072768"/>
-          </a:xfrm>
-          <a:prstGeom prst="rect">
-            <a:avLst/>
-          </a:prstGeom>
-        </p:spPr>
-      </p:pic>
-      <p:sp>
-        <p:nvSpPr>
-          <p:cNvPr id="30" name="Rectangle: Rounded Corners 29">
-            <a:extLst>
-              <a:ext uri="{FF2B5EF4-FFF2-40B4-BE49-F238E27FC236}">
-                <a16:creationId xmlns:a16="http://schemas.microsoft.com/office/drawing/2014/main" id="{F025A45A-A3F3-DFEC-43BE-7462626CC3F5}"/>
+            <a:endParaRPr lang="en-IN" sz="1547" dirty="0"/>
+          </a:p>
+        </p:txBody>
+      </p:sp>
+      <p:sp>
+        <p:nvSpPr>
+          <p:cNvPr id="11" name="Rectangle 10">
+            <a:extLst>
+              <a:ext uri="{FF2B5EF4-FFF2-40B4-BE49-F238E27FC236}">
+                <a16:creationId xmlns:a16="http://schemas.microsoft.com/office/drawing/2014/main" id="{F05E190D-0347-BB6F-F06C-69ACA76B9D5F}"/>
               </a:ext>
             </a:extLst>
           </p:cNvPr>
@@ -5910,380 +6215,8 @@
         </p:nvSpPr>
         <p:spPr>
           <a:xfrm>
-            <a:off x="36321" y="2534685"/>
-            <a:ext cx="1168924" cy="1523918"/>
-          </a:xfrm>
-          <a:prstGeom prst="roundRect">
-            <a:avLst/>
-          </a:prstGeom>
-        </p:spPr>
-        <p:style>
-          <a:lnRef idx="1">
-            <a:schemeClr val="dk1"/>
-          </a:lnRef>
-          <a:fillRef idx="2">
-            <a:schemeClr val="dk1"/>
-          </a:fillRef>
-          <a:effectRef idx="1">
-            <a:schemeClr val="dk1"/>
-          </a:effectRef>
-          <a:fontRef idx="minor">
-            <a:schemeClr val="dk1"/>
-          </a:fontRef>
-        </p:style>
-        <p:txBody>
-          <a:bodyPr rtlCol="0" anchor="ctr"/>
-          <a:lstStyle/>
-          <a:p>
-            <a:pPr algn="ctr"/>
-            <a:endParaRPr lang="en-IN" sz="1547" dirty="0"/>
-          </a:p>
-        </p:txBody>
-      </p:sp>
-      <p:sp>
-        <p:nvSpPr>
-          <p:cNvPr id="32" name="Rectangle: Rounded Corners 31">
-            <a:extLst>
-              <a:ext uri="{FF2B5EF4-FFF2-40B4-BE49-F238E27FC236}">
-                <a16:creationId xmlns:a16="http://schemas.microsoft.com/office/drawing/2014/main" id="{8AF204A3-10B2-B9D9-D5BE-E864A570EEE6}"/>
-              </a:ext>
-            </a:extLst>
-          </p:cNvPr>
-          <p:cNvSpPr/>
-          <p:nvPr/>
-        </p:nvSpPr>
-        <p:spPr>
-          <a:xfrm>
-            <a:off x="47207" y="5649767"/>
-            <a:ext cx="1168924" cy="1523918"/>
-          </a:xfrm>
-          <a:prstGeom prst="roundRect">
-            <a:avLst/>
-          </a:prstGeom>
-        </p:spPr>
-        <p:style>
-          <a:lnRef idx="1">
-            <a:schemeClr val="dk1"/>
-          </a:lnRef>
-          <a:fillRef idx="2">
-            <a:schemeClr val="dk1"/>
-          </a:fillRef>
-          <a:effectRef idx="1">
-            <a:schemeClr val="dk1"/>
-          </a:effectRef>
-          <a:fontRef idx="minor">
-            <a:schemeClr val="dk1"/>
-          </a:fontRef>
-        </p:style>
-        <p:txBody>
-          <a:bodyPr rtlCol="0" anchor="ctr"/>
-          <a:lstStyle/>
-          <a:p>
-            <a:pPr algn="ctr"/>
-            <a:endParaRPr lang="en-IN" sz="1547" dirty="0"/>
-          </a:p>
-        </p:txBody>
-      </p:sp>
-      <p:sp>
-        <p:nvSpPr>
-          <p:cNvPr id="31" name="Rectangle: Rounded Corners 30">
-            <a:extLst>
-              <a:ext uri="{FF2B5EF4-FFF2-40B4-BE49-F238E27FC236}">
-                <a16:creationId xmlns:a16="http://schemas.microsoft.com/office/drawing/2014/main" id="{432A1638-CDC5-5D56-FF65-38950DD6DC42}"/>
-              </a:ext>
-            </a:extLst>
-          </p:cNvPr>
-          <p:cNvSpPr/>
-          <p:nvPr/>
-        </p:nvSpPr>
-        <p:spPr>
-          <a:xfrm>
-            <a:off x="25435" y="4097673"/>
-            <a:ext cx="1168924" cy="1523918"/>
-          </a:xfrm>
-          <a:prstGeom prst="roundRect">
-            <a:avLst/>
-          </a:prstGeom>
-        </p:spPr>
-        <p:style>
-          <a:lnRef idx="1">
-            <a:schemeClr val="dk1"/>
-          </a:lnRef>
-          <a:fillRef idx="2">
-            <a:schemeClr val="dk1"/>
-          </a:fillRef>
-          <a:effectRef idx="1">
-            <a:schemeClr val="dk1"/>
-          </a:effectRef>
-          <a:fontRef idx="minor">
-            <a:schemeClr val="dk1"/>
-          </a:fontRef>
-        </p:style>
-        <p:txBody>
-          <a:bodyPr rtlCol="0" anchor="ctr"/>
-          <a:lstStyle/>
-          <a:p>
-            <a:pPr algn="ctr"/>
-            <a:endParaRPr lang="en-IN" sz="1547" dirty="0"/>
-          </a:p>
-        </p:txBody>
-      </p:sp>
-      <p:pic>
-        <p:nvPicPr>
-          <p:cNvPr id="34" name="Graphic 33" descr="Eye with solid fill">
-            <a:extLst>
-              <a:ext uri="{FF2B5EF4-FFF2-40B4-BE49-F238E27FC236}">
-                <a16:creationId xmlns:a16="http://schemas.microsoft.com/office/drawing/2014/main" id="{C6E7FE2A-EB16-6564-75A2-3F6297E7EE8A}"/>
-              </a:ext>
-            </a:extLst>
-          </p:cNvPr>
-          <p:cNvPicPr>
-            <a:picLocks noChangeAspect="1"/>
-          </p:cNvPicPr>
-          <p:nvPr/>
-        </p:nvPicPr>
-        <p:blipFill>
-          <a:blip r:embed="rId4">
-            <a:extLst>
-              <a:ext uri="{96DAC541-7B7A-43D3-8B79-37D633B846F1}">
-                <asvg:svgBlip xmlns:asvg="http://schemas.microsoft.com/office/drawing/2016/SVG/main" r:embed="rId5"/>
-              </a:ext>
-            </a:extLst>
-          </a:blip>
-          <a:stretch>
-            <a:fillRect/>
-          </a:stretch>
-        </p:blipFill>
-        <p:spPr>
-          <a:xfrm>
-            <a:off x="123372" y="3008928"/>
-            <a:ext cx="961932" cy="872211"/>
-          </a:xfrm>
-          <a:prstGeom prst="rect">
-            <a:avLst/>
-          </a:prstGeom>
-        </p:spPr>
-      </p:pic>
-      <p:pic>
-        <p:nvPicPr>
-          <p:cNvPr id="36" name="Graphic 35" descr="Earth Globe - Asia with solid fill">
-            <a:extLst>
-              <a:ext uri="{FF2B5EF4-FFF2-40B4-BE49-F238E27FC236}">
-                <a16:creationId xmlns:a16="http://schemas.microsoft.com/office/drawing/2014/main" id="{515FB6B2-9343-BCD8-5849-63ED77BE34C2}"/>
-              </a:ext>
-            </a:extLst>
-          </p:cNvPr>
-          <p:cNvPicPr>
-            <a:picLocks noChangeAspect="1"/>
-          </p:cNvPicPr>
-          <p:nvPr/>
-        </p:nvPicPr>
-        <p:blipFill>
-          <a:blip r:embed="rId6">
-            <a:extLst>
-              <a:ext uri="{96DAC541-7B7A-43D3-8B79-37D633B846F1}">
-                <asvg:svgBlip xmlns:asvg="http://schemas.microsoft.com/office/drawing/2016/SVG/main" r:embed="rId7"/>
-              </a:ext>
-            </a:extLst>
-          </a:blip>
-          <a:stretch>
-            <a:fillRect/>
-          </a:stretch>
-        </p:blipFill>
-        <p:spPr>
-          <a:xfrm>
-            <a:off x="182049" y="4650168"/>
-            <a:ext cx="744093" cy="744093"/>
-          </a:xfrm>
-          <a:prstGeom prst="rect">
-            <a:avLst/>
-          </a:prstGeom>
-        </p:spPr>
-      </p:pic>
-      <p:pic>
-        <p:nvPicPr>
-          <p:cNvPr id="38" name="Graphic 37" descr="Open book outline">
-            <a:extLst>
-              <a:ext uri="{FF2B5EF4-FFF2-40B4-BE49-F238E27FC236}">
-                <a16:creationId xmlns:a16="http://schemas.microsoft.com/office/drawing/2014/main" id="{1ED24BF8-E0A0-9154-F9EB-B8DB1F7F37A9}"/>
-              </a:ext>
-            </a:extLst>
-          </p:cNvPr>
-          <p:cNvPicPr>
-            <a:picLocks noChangeAspect="1"/>
-          </p:cNvPicPr>
-          <p:nvPr/>
-        </p:nvPicPr>
-        <p:blipFill>
-          <a:blip r:embed="rId8">
-            <a:extLst>
-              <a:ext uri="{96DAC541-7B7A-43D3-8B79-37D633B846F1}">
-                <asvg:svgBlip xmlns:asvg="http://schemas.microsoft.com/office/drawing/2016/SVG/main" r:embed="rId9"/>
-              </a:ext>
-            </a:extLst>
-          </a:blip>
-          <a:stretch>
-            <a:fillRect/>
-          </a:stretch>
-        </p:blipFill>
-        <p:spPr>
-          <a:xfrm>
-            <a:off x="161206" y="6132398"/>
-            <a:ext cx="785781" cy="785781"/>
-          </a:xfrm>
-          <a:prstGeom prst="rect">
-            <a:avLst/>
-          </a:prstGeom>
-        </p:spPr>
-      </p:pic>
-      <p:sp>
-        <p:nvSpPr>
-          <p:cNvPr id="39" name="TextBox 38">
-            <a:extLst>
-              <a:ext uri="{FF2B5EF4-FFF2-40B4-BE49-F238E27FC236}">
-                <a16:creationId xmlns:a16="http://schemas.microsoft.com/office/drawing/2014/main" id="{E44203E8-D016-00F6-7F64-CE28A7680061}"/>
-              </a:ext>
-            </a:extLst>
-          </p:cNvPr>
-          <p:cNvSpPr txBox="1"/>
-          <p:nvPr/>
-        </p:nvSpPr>
-        <p:spPr>
-          <a:xfrm>
-            <a:off x="134458" y="2690944"/>
-            <a:ext cx="1103445" cy="330411"/>
-          </a:xfrm>
-          <a:prstGeom prst="rect">
-            <a:avLst/>
-          </a:prstGeom>
-          <a:noFill/>
-        </p:spPr>
-        <p:txBody>
-          <a:bodyPr wrap="square" rtlCol="0">
-            <a:spAutoFit/>
-          </a:bodyPr>
-          <a:lstStyle/>
-          <a:p>
-            <a:r>
-              <a:rPr lang="en-US" sz="1547" b="1" dirty="0">
-                <a:solidFill>
-                  <a:schemeClr val="bg1"/>
-                </a:solidFill>
-              </a:rPr>
-              <a:t>Overview</a:t>
-            </a:r>
-            <a:endParaRPr lang="en-IN" sz="1547" b="1" dirty="0">
-              <a:solidFill>
-                <a:schemeClr val="bg1"/>
-              </a:solidFill>
-            </a:endParaRPr>
-          </a:p>
-        </p:txBody>
-      </p:sp>
-      <p:sp>
-        <p:nvSpPr>
-          <p:cNvPr id="40" name="TextBox 39">
-            <a:extLst>
-              <a:ext uri="{FF2B5EF4-FFF2-40B4-BE49-F238E27FC236}">
-                <a16:creationId xmlns:a16="http://schemas.microsoft.com/office/drawing/2014/main" id="{3FD6E23F-B519-72E8-A8D5-14200E2194FC}"/>
-              </a:ext>
-            </a:extLst>
-          </p:cNvPr>
-          <p:cNvSpPr txBox="1"/>
-          <p:nvPr/>
-        </p:nvSpPr>
-        <p:spPr>
-          <a:xfrm>
-            <a:off x="161206" y="4301041"/>
-            <a:ext cx="1103445" cy="330411"/>
-          </a:xfrm>
-          <a:prstGeom prst="rect">
-            <a:avLst/>
-          </a:prstGeom>
-          <a:noFill/>
-        </p:spPr>
-        <p:txBody>
-          <a:bodyPr wrap="square" rtlCol="0">
-            <a:spAutoFit/>
-          </a:bodyPr>
-          <a:lstStyle/>
-          <a:p>
-            <a:r>
-              <a:rPr lang="en-US" sz="1547" b="1" dirty="0">
-                <a:solidFill>
-                  <a:schemeClr val="bg1"/>
-                </a:solidFill>
-              </a:rPr>
-              <a:t>Location</a:t>
-            </a:r>
-            <a:endParaRPr lang="en-IN" sz="1547" b="1" dirty="0">
-              <a:solidFill>
-                <a:schemeClr val="bg1"/>
-              </a:solidFill>
-            </a:endParaRPr>
-          </a:p>
-        </p:txBody>
-      </p:sp>
-      <p:sp>
-        <p:nvSpPr>
-          <p:cNvPr id="41" name="TextBox 40">
-            <a:extLst>
-              <a:ext uri="{FF2B5EF4-FFF2-40B4-BE49-F238E27FC236}">
-                <a16:creationId xmlns:a16="http://schemas.microsoft.com/office/drawing/2014/main" id="{6D2C7873-F27D-F826-C25A-6A09D8AC6CB0}"/>
-              </a:ext>
-            </a:extLst>
-          </p:cNvPr>
-          <p:cNvSpPr txBox="1"/>
-          <p:nvPr/>
-        </p:nvSpPr>
-        <p:spPr>
-          <a:xfrm>
-            <a:off x="129698" y="5811309"/>
-            <a:ext cx="1103445" cy="330411"/>
-          </a:xfrm>
-          <a:prstGeom prst="rect">
-            <a:avLst/>
-          </a:prstGeom>
-          <a:noFill/>
-        </p:spPr>
-        <p:txBody>
-          <a:bodyPr wrap="square" rtlCol="0">
-            <a:spAutoFit/>
-          </a:bodyPr>
-          <a:lstStyle/>
-          <a:p>
-            <a:r>
-              <a:rPr lang="en-US" sz="1547" b="1" dirty="0">
-                <a:solidFill>
-                  <a:schemeClr val="bg1"/>
-                </a:solidFill>
-              </a:rPr>
-              <a:t>About Us</a:t>
-            </a:r>
-            <a:endParaRPr lang="en-IN" sz="1547" b="1" dirty="0">
-              <a:solidFill>
-                <a:schemeClr val="bg1"/>
-              </a:solidFill>
-            </a:endParaRPr>
-          </a:p>
-        </p:txBody>
-      </p:sp>
-      <p:sp>
-        <p:nvSpPr>
-          <p:cNvPr id="46" name="Rectangle 45">
-            <a:extLst>
-              <a:ext uri="{FF2B5EF4-FFF2-40B4-BE49-F238E27FC236}">
-                <a16:creationId xmlns:a16="http://schemas.microsoft.com/office/drawing/2014/main" id="{4838C19D-8670-D52C-CEA9-358FFD1AA773}"/>
-              </a:ext>
-            </a:extLst>
-          </p:cNvPr>
-          <p:cNvSpPr/>
-          <p:nvPr/>
-        </p:nvSpPr>
-        <p:spPr>
-          <a:xfrm>
-            <a:off x="1368293" y="1514597"/>
-            <a:ext cx="5262887" cy="5640234"/>
+            <a:off x="1403359" y="1035165"/>
+            <a:ext cx="5267982" cy="424725"/>
           </a:xfrm>
           <a:prstGeom prst="rect">
             <a:avLst/>
@@ -6291,6 +6224,7 @@
           <a:solidFill>
             <a:schemeClr val="bg1">
               <a:lumMod val="95000"/>
+              <a:alpha val="80000"/>
             </a:schemeClr>
           </a:solidFill>
           <a:ln>
@@ -6318,16 +6252,23 @@
           <a:lstStyle/>
           <a:p>
             <a:pPr algn="ctr"/>
-            <a:endParaRPr lang="en-IN" sz="1547"/>
-          </a:p>
-        </p:txBody>
-      </p:sp>
-      <p:sp>
-        <p:nvSpPr>
-          <p:cNvPr id="52" name="Rectangle 51">
-            <a:extLst>
-              <a:ext uri="{FF2B5EF4-FFF2-40B4-BE49-F238E27FC236}">
-                <a16:creationId xmlns:a16="http://schemas.microsoft.com/office/drawing/2014/main" id="{EBE0793A-0B66-02A1-30D3-AA9670015E7F}"/>
+            <a:endParaRPr lang="en-IN" sz="1547" dirty="0">
+              <a:solidFill>
+                <a:srgbClr val="FF0000"/>
+              </a:solidFill>
+              <a:highlight>
+                <a:srgbClr val="FF0000"/>
+              </a:highlight>
+            </a:endParaRPr>
+          </a:p>
+        </p:txBody>
+      </p:sp>
+      <p:sp>
+        <p:nvSpPr>
+          <p:cNvPr id="12" name="Rectangle 11">
+            <a:extLst>
+              <a:ext uri="{FF2B5EF4-FFF2-40B4-BE49-F238E27FC236}">
+                <a16:creationId xmlns:a16="http://schemas.microsoft.com/office/drawing/2014/main" id="{B8A874DA-DA1B-C801-12AF-316AC0CF84F9}"/>
               </a:ext>
             </a:extLst>
           </p:cNvPr>
@@ -6336,16 +6277,16 @@
         </p:nvSpPr>
         <p:spPr>
           <a:xfrm>
-            <a:off x="1368253" y="1049888"/>
-            <a:ext cx="5267982" cy="424725"/>
+            <a:off x="6737763" y="4115394"/>
+            <a:ext cx="4224116" cy="3021894"/>
           </a:xfrm>
           <a:prstGeom prst="rect">
             <a:avLst/>
           </a:prstGeom>
           <a:solidFill>
-            <a:srgbClr val="FF0000">
-              <a:alpha val="80000"/>
-            </a:srgbClr>
+            <a:schemeClr val="bg1">
+              <a:lumMod val="95000"/>
+            </a:schemeClr>
           </a:solidFill>
           <a:ln>
             <a:noFill/>
@@ -6372,23 +6313,64 @@
           <a:lstStyle/>
           <a:p>
             <a:pPr algn="ctr"/>
-            <a:endParaRPr lang="en-IN" sz="1547" dirty="0">
+            <a:endParaRPr lang="en-IN" sz="1547" dirty="0"/>
+          </a:p>
+        </p:txBody>
+      </p:sp>
+      <p:sp>
+        <p:nvSpPr>
+          <p:cNvPr id="13" name="TextBox 12">
+            <a:extLst>
+              <a:ext uri="{FF2B5EF4-FFF2-40B4-BE49-F238E27FC236}">
+                <a16:creationId xmlns:a16="http://schemas.microsoft.com/office/drawing/2014/main" id="{0AB27788-C43A-D3F0-3A9C-ACDF26DDD61E}"/>
+              </a:ext>
+            </a:extLst>
+          </p:cNvPr>
+          <p:cNvSpPr txBox="1"/>
+          <p:nvPr/>
+        </p:nvSpPr>
+        <p:spPr>
+          <a:xfrm>
+            <a:off x="1370740" y="1047080"/>
+            <a:ext cx="4276582" cy="338554"/>
+          </a:xfrm>
+          <a:prstGeom prst="rect">
+            <a:avLst/>
+          </a:prstGeom>
+          <a:noFill/>
+        </p:spPr>
+        <p:txBody>
+          <a:bodyPr wrap="square" rtlCol="0">
+            <a:spAutoFit/>
+          </a:bodyPr>
+          <a:lstStyle/>
+          <a:p>
+            <a:r>
+              <a:rPr lang="en-US" sz="1600" b="1" dirty="0">
+                <a:solidFill>
+                  <a:schemeClr val="bg2">
+                    <a:lumMod val="10000"/>
+                  </a:schemeClr>
+                </a:solidFill>
+              </a:rPr>
+              <a:t>Location by Properties</a:t>
+            </a:r>
+            <a:endParaRPr lang="en-IN" sz="1600" b="1" dirty="0">
               <a:solidFill>
-                <a:srgbClr val="FF0000"/>
+                <a:schemeClr val="bg2">
+                  <a:lumMod val="10000"/>
+                </a:schemeClr>
               </a:solidFill>
-              <a:highlight>
-                <a:srgbClr val="FF0000"/>
-              </a:highlight>
             </a:endParaRPr>
           </a:p>
         </p:txBody>
       </p:sp>
       <p:sp>
         <p:nvSpPr>
-          <p:cNvPr id="55" name="Rectangle 54">
-            <a:extLst>
-              <a:ext uri="{FF2B5EF4-FFF2-40B4-BE49-F238E27FC236}">
-                <a16:creationId xmlns:a16="http://schemas.microsoft.com/office/drawing/2014/main" id="{0DA11433-6EE5-07E1-8A63-E761C0BF22FB}"/>
+          <p:cNvPr id="16" name="Rectangle 15">
+            <a:extLst>
+              <a:ext uri="{FF2B5EF4-FFF2-40B4-BE49-F238E27FC236}">
+                <a16:creationId xmlns:a16="http://schemas.microsoft.com/office/drawing/2014/main" id="{3863114B-0D82-2DFC-FDDA-26AF801FCBB6}"/>
               </a:ext>
             </a:extLst>
           </p:cNvPr>
@@ -6397,7 +6379,7 @@
         </p:nvSpPr>
         <p:spPr>
           <a:xfrm>
-            <a:off x="6702657" y="4130117"/>
+            <a:off x="6737763" y="1021986"/>
             <a:ext cx="4224116" cy="3021894"/>
           </a:xfrm>
           <a:prstGeom prst="rect">
@@ -6439,10 +6421,10 @@
       </p:sp>
       <p:sp>
         <p:nvSpPr>
-          <p:cNvPr id="70" name="TextBox 69">
-            <a:extLst>
-              <a:ext uri="{FF2B5EF4-FFF2-40B4-BE49-F238E27FC236}">
-                <a16:creationId xmlns:a16="http://schemas.microsoft.com/office/drawing/2014/main" id="{08C238DB-A953-BB78-A85D-B3E0F79156D7}"/>
+          <p:cNvPr id="17" name="TextBox 16">
+            <a:extLst>
+              <a:ext uri="{FF2B5EF4-FFF2-40B4-BE49-F238E27FC236}">
+                <a16:creationId xmlns:a16="http://schemas.microsoft.com/office/drawing/2014/main" id="{5981C664-816B-9345-D837-EE7EE442C482}"/>
               </a:ext>
             </a:extLst>
           </p:cNvPr>
@@ -6451,7 +6433,7 @@
         </p:nvSpPr>
         <p:spPr>
           <a:xfrm>
-            <a:off x="1335634" y="1061803"/>
+            <a:off x="1370905" y="1505776"/>
             <a:ext cx="4276582" cy="338554"/>
           </a:xfrm>
           <a:prstGeom prst="rect">
@@ -6468,152 +6450,8 @@
             <a:r>
               <a:rPr lang="en-US" sz="1600" b="1" dirty="0">
                 <a:solidFill>
-                  <a:schemeClr val="bg1"/>
-                </a:solidFill>
-              </a:rPr>
-              <a:t>Location by Properties</a:t>
-            </a:r>
-            <a:endParaRPr lang="en-IN" sz="1600" b="1" dirty="0">
-              <a:solidFill>
-                <a:schemeClr val="bg1"/>
-              </a:solidFill>
-            </a:endParaRPr>
-          </a:p>
-        </p:txBody>
-      </p:sp>
-      <p:sp>
-        <p:nvSpPr>
-          <p:cNvPr id="81" name="Isosceles Triangle 80">
-            <a:extLst>
-              <a:ext uri="{FF2B5EF4-FFF2-40B4-BE49-F238E27FC236}">
-                <a16:creationId xmlns:a16="http://schemas.microsoft.com/office/drawing/2014/main" id="{E308A15F-32B2-F1C1-7D75-396963A5B12B}"/>
-              </a:ext>
-            </a:extLst>
-          </p:cNvPr>
-          <p:cNvSpPr/>
-          <p:nvPr/>
-        </p:nvSpPr>
-        <p:spPr>
-          <a:xfrm rot="5400000">
-            <a:off x="727246" y="4792877"/>
-            <a:ext cx="1104408" cy="148059"/>
-          </a:xfrm>
-          <a:prstGeom prst="triangle">
-            <a:avLst/>
-          </a:prstGeom>
-        </p:spPr>
-        <p:style>
-          <a:lnRef idx="2">
-            <a:schemeClr val="accent1">
-              <a:shade val="15000"/>
-            </a:schemeClr>
-          </a:lnRef>
-          <a:fillRef idx="1">
-            <a:schemeClr val="accent1"/>
-          </a:fillRef>
-          <a:effectRef idx="0">
-            <a:schemeClr val="accent1"/>
-          </a:effectRef>
-          <a:fontRef idx="minor">
-            <a:schemeClr val="lt1"/>
-          </a:fontRef>
-        </p:style>
-        <p:txBody>
-          <a:bodyPr rtlCol="0" anchor="ctr"/>
-          <a:lstStyle/>
-          <a:p>
-            <a:pPr algn="ctr"/>
-            <a:endParaRPr lang="en-IN"/>
-          </a:p>
-        </p:txBody>
-      </p:sp>
-      <p:sp>
-        <p:nvSpPr>
-          <p:cNvPr id="2" name="Rectangle 1">
-            <a:extLst>
-              <a:ext uri="{FF2B5EF4-FFF2-40B4-BE49-F238E27FC236}">
-                <a16:creationId xmlns:a16="http://schemas.microsoft.com/office/drawing/2014/main" id="{F3AF4661-050F-FD31-E8D1-CF0C3C759D7C}"/>
-              </a:ext>
-            </a:extLst>
-          </p:cNvPr>
-          <p:cNvSpPr/>
-          <p:nvPr/>
-        </p:nvSpPr>
-        <p:spPr>
-          <a:xfrm>
-            <a:off x="6702657" y="1036709"/>
-            <a:ext cx="4224116" cy="3021894"/>
-          </a:xfrm>
-          <a:prstGeom prst="rect">
-            <a:avLst/>
-          </a:prstGeom>
-          <a:solidFill>
-            <a:schemeClr val="bg1">
-              <a:lumMod val="95000"/>
-            </a:schemeClr>
-          </a:solidFill>
-          <a:ln>
-            <a:noFill/>
-          </a:ln>
-        </p:spPr>
-        <p:style>
-          <a:lnRef idx="2">
-            <a:schemeClr val="accent1">
-              <a:shade val="15000"/>
-            </a:schemeClr>
-          </a:lnRef>
-          <a:fillRef idx="1">
-            <a:schemeClr val="accent1"/>
-          </a:fillRef>
-          <a:effectRef idx="0">
-            <a:schemeClr val="accent1"/>
-          </a:effectRef>
-          <a:fontRef idx="minor">
-            <a:schemeClr val="lt1"/>
-          </a:fontRef>
-        </p:style>
-        <p:txBody>
-          <a:bodyPr rtlCol="0" anchor="ctr"/>
-          <a:lstStyle/>
-          <a:p>
-            <a:pPr algn="ctr"/>
-            <a:endParaRPr lang="en-IN" sz="1547" dirty="0"/>
-          </a:p>
-        </p:txBody>
-      </p:sp>
-      <p:sp>
-        <p:nvSpPr>
-          <p:cNvPr id="3" name="TextBox 2">
-            <a:extLst>
-              <a:ext uri="{FF2B5EF4-FFF2-40B4-BE49-F238E27FC236}">
-                <a16:creationId xmlns:a16="http://schemas.microsoft.com/office/drawing/2014/main" id="{6C7B6550-7E85-8928-F59E-8A65F5A87B46}"/>
-              </a:ext>
-            </a:extLst>
-          </p:cNvPr>
-          <p:cNvSpPr txBox="1"/>
-          <p:nvPr/>
-        </p:nvSpPr>
-        <p:spPr>
-          <a:xfrm>
-            <a:off x="1370905" y="1505776"/>
-            <a:ext cx="4276582" cy="338554"/>
-          </a:xfrm>
-          <a:prstGeom prst="rect">
-            <a:avLst/>
-          </a:prstGeom>
-          <a:noFill/>
-        </p:spPr>
-        <p:txBody>
-          <a:bodyPr wrap="square" rtlCol="0">
-            <a:spAutoFit/>
-          </a:bodyPr>
-          <a:lstStyle/>
-          <a:p>
-            <a:r>
-              <a:rPr lang="en-US" sz="1600" b="1" dirty="0">
-                <a:solidFill>
-                  <a:schemeClr val="bg1">
-                    <a:lumMod val="50000"/>
+                  <a:schemeClr val="bg2">
+                    <a:lumMod val="10000"/>
                   </a:schemeClr>
                 </a:solidFill>
               </a:rPr>
@@ -6621,8 +6459,8 @@
             </a:r>
             <a:endParaRPr lang="en-IN" sz="1600" b="1" dirty="0">
               <a:solidFill>
-                <a:schemeClr val="bg1">
-                  <a:lumMod val="50000"/>
+                <a:schemeClr val="bg2">
+                  <a:lumMod val="10000"/>
                 </a:schemeClr>
               </a:solidFill>
             </a:endParaRPr>
@@ -6632,7 +6470,7 @@
     </p:spTree>
     <p:extLst>
       <p:ext uri="{BB962C8B-B14F-4D97-AF65-F5344CB8AC3E}">
-        <p14:creationId xmlns:p14="http://schemas.microsoft.com/office/powerpoint/2010/main" val="2431297401"/>
+        <p14:creationId xmlns:p14="http://schemas.microsoft.com/office/powerpoint/2010/main" val="1688936269"/>
       </p:ext>
     </p:extLst>
   </p:cSld>
